--- a/TG_Data/Sif Data/TG TEST 7 . OXIDATION 600C 5% O2/Presentation1.pptx
+++ b/TG_Data/Sif Data/TG TEST 7 . OXIDATION 600C 5% O2/Presentation1.pptx
@@ -7,7 +7,9 @@
   <p:sldIdLst>
     <p:sldId id="256" r:id="rId2"/>
     <p:sldId id="257" r:id="rId3"/>
-    <p:sldId id="258" r:id="rId4"/>
+    <p:sldId id="260" r:id="rId4"/>
+    <p:sldId id="261" r:id="rId5"/>
+    <p:sldId id="258" r:id="rId6"/>
   </p:sldIdLst>
   <p:sldSz cx="12192000" cy="6858000"/>
   <p:notesSz cx="6858000" cy="9144000"/>
@@ -106,3162 +108,12 @@
       </a:defRPr>
     </a:lvl9pPr>
   </p:defaultTextStyle>
+  <p:extLst>
+    <p:ext uri="{EFAFB233-063F-42B5-8137-9DF3F51BA10A}">
+      <p15:sldGuideLst xmlns:p15="http://schemas.microsoft.com/office/powerpoint/2012/main"/>
+    </p:ext>
+  </p:extLst>
 </p:presentation>
-</file>
-
-<file path=ppt/charts/chart1.xml><?xml version="1.0" encoding="utf-8"?>
-<c:chartSpace xmlns:c="http://schemas.openxmlformats.org/drawingml/2006/chart" xmlns:a="http://schemas.openxmlformats.org/drawingml/2006/main" xmlns:r="http://schemas.openxmlformats.org/officeDocument/2006/relationships" xmlns:c16r2="http://schemas.microsoft.com/office/drawing/2015/06/chart">
-  <c:date1904 val="0"/>
-  <c:lang val="en-GB"/>
-  <c:roundedCorners val="0"/>
-  <mc:AlternateContent xmlns:mc="http://schemas.openxmlformats.org/markup-compatibility/2006">
-    <mc:Choice xmlns:c14="http://schemas.microsoft.com/office/drawing/2007/8/2/chart" Requires="c14">
-      <c14:style val="102"/>
-    </mc:Choice>
-    <mc:Fallback>
-      <c:style val="2"/>
-    </mc:Fallback>
-  </mc:AlternateContent>
-  <c:chart>
-    <c:autoTitleDeleted val="1"/>
-    <c:plotArea>
-      <c:layout/>
-      <c:lineChart>
-        <c:grouping val="standard"/>
-        <c:varyColors val="0"/>
-        <c:ser>
-          <c:idx val="0"/>
-          <c:order val="0"/>
-          <c:spPr>
-            <a:ln w="19050" cap="rnd">
-              <a:solidFill>
-                <a:schemeClr val="accent1"/>
-              </a:solidFill>
-              <a:round/>
-            </a:ln>
-            <a:effectLst/>
-          </c:spPr>
-          <c:marker>
-            <c:symbol val="none"/>
-          </c:marker>
-          <c:cat>
-            <c:numRef>
-              <c:f>Sheet!$B$30:$B$422</c:f>
-              <c:numCache>
-                <c:formatCode>0.00000</c:formatCode>
-                <c:ptCount val="393"/>
-                <c:pt idx="0">
-                  <c:v>0.5</c:v>
-                </c:pt>
-                <c:pt idx="1">
-                  <c:v>1</c:v>
-                </c:pt>
-                <c:pt idx="2">
-                  <c:v>1.5</c:v>
-                </c:pt>
-                <c:pt idx="3">
-                  <c:v>2</c:v>
-                </c:pt>
-                <c:pt idx="4">
-                  <c:v>2.5</c:v>
-                </c:pt>
-                <c:pt idx="5">
-                  <c:v>3</c:v>
-                </c:pt>
-                <c:pt idx="6">
-                  <c:v>3.5</c:v>
-                </c:pt>
-                <c:pt idx="7">
-                  <c:v>4</c:v>
-                </c:pt>
-                <c:pt idx="8">
-                  <c:v>4.5</c:v>
-                </c:pt>
-                <c:pt idx="9">
-                  <c:v>5</c:v>
-                </c:pt>
-                <c:pt idx="10">
-                  <c:v>5.5</c:v>
-                </c:pt>
-                <c:pt idx="11">
-                  <c:v>6</c:v>
-                </c:pt>
-                <c:pt idx="12">
-                  <c:v>6.5</c:v>
-                </c:pt>
-                <c:pt idx="13">
-                  <c:v>7</c:v>
-                </c:pt>
-                <c:pt idx="14">
-                  <c:v>7.5</c:v>
-                </c:pt>
-                <c:pt idx="15">
-                  <c:v>8</c:v>
-                </c:pt>
-                <c:pt idx="16">
-                  <c:v>8.5</c:v>
-                </c:pt>
-                <c:pt idx="17">
-                  <c:v>9</c:v>
-                </c:pt>
-                <c:pt idx="18">
-                  <c:v>9.5</c:v>
-                </c:pt>
-                <c:pt idx="19">
-                  <c:v>10</c:v>
-                </c:pt>
-                <c:pt idx="20">
-                  <c:v>10.5</c:v>
-                </c:pt>
-                <c:pt idx="21">
-                  <c:v>11</c:v>
-                </c:pt>
-                <c:pt idx="22">
-                  <c:v>11.5</c:v>
-                </c:pt>
-                <c:pt idx="23">
-                  <c:v>12</c:v>
-                </c:pt>
-                <c:pt idx="24">
-                  <c:v>12.5</c:v>
-                </c:pt>
-                <c:pt idx="25">
-                  <c:v>13</c:v>
-                </c:pt>
-                <c:pt idx="26">
-                  <c:v>13.5</c:v>
-                </c:pt>
-                <c:pt idx="27">
-                  <c:v>14</c:v>
-                </c:pt>
-                <c:pt idx="28">
-                  <c:v>14.5</c:v>
-                </c:pt>
-                <c:pt idx="29">
-                  <c:v>15</c:v>
-                </c:pt>
-                <c:pt idx="30">
-                  <c:v>15.5</c:v>
-                </c:pt>
-                <c:pt idx="31">
-                  <c:v>16</c:v>
-                </c:pt>
-                <c:pt idx="32">
-                  <c:v>16.5</c:v>
-                </c:pt>
-                <c:pt idx="33">
-                  <c:v>17</c:v>
-                </c:pt>
-                <c:pt idx="34">
-                  <c:v>17.5</c:v>
-                </c:pt>
-                <c:pt idx="35">
-                  <c:v>18</c:v>
-                </c:pt>
-                <c:pt idx="36">
-                  <c:v>18.5</c:v>
-                </c:pt>
-                <c:pt idx="37">
-                  <c:v>19</c:v>
-                </c:pt>
-                <c:pt idx="38">
-                  <c:v>19.5</c:v>
-                </c:pt>
-                <c:pt idx="39">
-                  <c:v>20</c:v>
-                </c:pt>
-                <c:pt idx="40">
-                  <c:v>20.5</c:v>
-                </c:pt>
-                <c:pt idx="41">
-                  <c:v>21</c:v>
-                </c:pt>
-                <c:pt idx="42">
-                  <c:v>21.5</c:v>
-                </c:pt>
-                <c:pt idx="43">
-                  <c:v>22</c:v>
-                </c:pt>
-                <c:pt idx="44">
-                  <c:v>22.5</c:v>
-                </c:pt>
-                <c:pt idx="45">
-                  <c:v>23</c:v>
-                </c:pt>
-                <c:pt idx="46">
-                  <c:v>23.5</c:v>
-                </c:pt>
-                <c:pt idx="47">
-                  <c:v>24</c:v>
-                </c:pt>
-                <c:pt idx="48">
-                  <c:v>24.5</c:v>
-                </c:pt>
-                <c:pt idx="49">
-                  <c:v>25</c:v>
-                </c:pt>
-                <c:pt idx="50">
-                  <c:v>25.5</c:v>
-                </c:pt>
-                <c:pt idx="51">
-                  <c:v>26</c:v>
-                </c:pt>
-                <c:pt idx="52">
-                  <c:v>26.5</c:v>
-                </c:pt>
-                <c:pt idx="53">
-                  <c:v>27</c:v>
-                </c:pt>
-                <c:pt idx="54">
-                  <c:v>27.5</c:v>
-                </c:pt>
-                <c:pt idx="55">
-                  <c:v>28</c:v>
-                </c:pt>
-                <c:pt idx="56">
-                  <c:v>28.5</c:v>
-                </c:pt>
-                <c:pt idx="57">
-                  <c:v>29</c:v>
-                </c:pt>
-                <c:pt idx="58">
-                  <c:v>29.5</c:v>
-                </c:pt>
-                <c:pt idx="59">
-                  <c:v>30</c:v>
-                </c:pt>
-                <c:pt idx="60">
-                  <c:v>30.5</c:v>
-                </c:pt>
-                <c:pt idx="61">
-                  <c:v>31</c:v>
-                </c:pt>
-                <c:pt idx="62">
-                  <c:v>31.5</c:v>
-                </c:pt>
-                <c:pt idx="63">
-                  <c:v>32</c:v>
-                </c:pt>
-                <c:pt idx="64">
-                  <c:v>32.5</c:v>
-                </c:pt>
-                <c:pt idx="65">
-                  <c:v>33</c:v>
-                </c:pt>
-                <c:pt idx="66">
-                  <c:v>33.5</c:v>
-                </c:pt>
-                <c:pt idx="67">
-                  <c:v>34</c:v>
-                </c:pt>
-                <c:pt idx="68">
-                  <c:v>34.5</c:v>
-                </c:pt>
-                <c:pt idx="69">
-                  <c:v>35</c:v>
-                </c:pt>
-                <c:pt idx="70">
-                  <c:v>35.5</c:v>
-                </c:pt>
-                <c:pt idx="71">
-                  <c:v>36</c:v>
-                </c:pt>
-                <c:pt idx="72">
-                  <c:v>36.5</c:v>
-                </c:pt>
-                <c:pt idx="73">
-                  <c:v>37</c:v>
-                </c:pt>
-                <c:pt idx="74">
-                  <c:v>37.5</c:v>
-                </c:pt>
-                <c:pt idx="75">
-                  <c:v>38</c:v>
-                </c:pt>
-                <c:pt idx="76">
-                  <c:v>38.5</c:v>
-                </c:pt>
-                <c:pt idx="77">
-                  <c:v>39</c:v>
-                </c:pt>
-                <c:pt idx="78">
-                  <c:v>39.5</c:v>
-                </c:pt>
-                <c:pt idx="79">
-                  <c:v>40</c:v>
-                </c:pt>
-                <c:pt idx="80">
-                  <c:v>40.5</c:v>
-                </c:pt>
-                <c:pt idx="81">
-                  <c:v>41</c:v>
-                </c:pt>
-                <c:pt idx="82">
-                  <c:v>41.5</c:v>
-                </c:pt>
-                <c:pt idx="83">
-                  <c:v>42</c:v>
-                </c:pt>
-                <c:pt idx="84">
-                  <c:v>42.5</c:v>
-                </c:pt>
-                <c:pt idx="85">
-                  <c:v>43</c:v>
-                </c:pt>
-                <c:pt idx="86">
-                  <c:v>43.5</c:v>
-                </c:pt>
-                <c:pt idx="87">
-                  <c:v>44</c:v>
-                </c:pt>
-                <c:pt idx="88">
-                  <c:v>44.5</c:v>
-                </c:pt>
-                <c:pt idx="89">
-                  <c:v>45</c:v>
-                </c:pt>
-                <c:pt idx="90">
-                  <c:v>45.5</c:v>
-                </c:pt>
-                <c:pt idx="91">
-                  <c:v>46</c:v>
-                </c:pt>
-                <c:pt idx="92">
-                  <c:v>46.5</c:v>
-                </c:pt>
-                <c:pt idx="93">
-                  <c:v>47</c:v>
-                </c:pt>
-                <c:pt idx="94">
-                  <c:v>47.5</c:v>
-                </c:pt>
-                <c:pt idx="95">
-                  <c:v>48</c:v>
-                </c:pt>
-                <c:pt idx="96">
-                  <c:v>48.5</c:v>
-                </c:pt>
-                <c:pt idx="97">
-                  <c:v>49</c:v>
-                </c:pt>
-                <c:pt idx="98">
-                  <c:v>49.5</c:v>
-                </c:pt>
-                <c:pt idx="99">
-                  <c:v>50</c:v>
-                </c:pt>
-                <c:pt idx="100">
-                  <c:v>50.5</c:v>
-                </c:pt>
-                <c:pt idx="101">
-                  <c:v>51</c:v>
-                </c:pt>
-                <c:pt idx="102">
-                  <c:v>51.5</c:v>
-                </c:pt>
-                <c:pt idx="103">
-                  <c:v>52</c:v>
-                </c:pt>
-                <c:pt idx="104">
-                  <c:v>52.5</c:v>
-                </c:pt>
-                <c:pt idx="105">
-                  <c:v>53</c:v>
-                </c:pt>
-                <c:pt idx="106">
-                  <c:v>53.5</c:v>
-                </c:pt>
-                <c:pt idx="107">
-                  <c:v>54</c:v>
-                </c:pt>
-                <c:pt idx="108">
-                  <c:v>54.5</c:v>
-                </c:pt>
-                <c:pt idx="109">
-                  <c:v>55</c:v>
-                </c:pt>
-                <c:pt idx="110">
-                  <c:v>55.5</c:v>
-                </c:pt>
-                <c:pt idx="111">
-                  <c:v>56</c:v>
-                </c:pt>
-                <c:pt idx="112">
-                  <c:v>56.5</c:v>
-                </c:pt>
-                <c:pt idx="113">
-                  <c:v>57</c:v>
-                </c:pt>
-                <c:pt idx="114">
-                  <c:v>57.5</c:v>
-                </c:pt>
-                <c:pt idx="115">
-                  <c:v>58</c:v>
-                </c:pt>
-                <c:pt idx="116">
-                  <c:v>58.5</c:v>
-                </c:pt>
-                <c:pt idx="117">
-                  <c:v>59</c:v>
-                </c:pt>
-                <c:pt idx="118">
-                  <c:v>59.5</c:v>
-                </c:pt>
-                <c:pt idx="119">
-                  <c:v>60</c:v>
-                </c:pt>
-                <c:pt idx="120">
-                  <c:v>60.5</c:v>
-                </c:pt>
-                <c:pt idx="121">
-                  <c:v>61</c:v>
-                </c:pt>
-                <c:pt idx="122">
-                  <c:v>61.5</c:v>
-                </c:pt>
-                <c:pt idx="123">
-                  <c:v>62</c:v>
-                </c:pt>
-                <c:pt idx="124">
-                  <c:v>62.5</c:v>
-                </c:pt>
-                <c:pt idx="125">
-                  <c:v>63</c:v>
-                </c:pt>
-                <c:pt idx="126">
-                  <c:v>63.5</c:v>
-                </c:pt>
-                <c:pt idx="127">
-                  <c:v>64</c:v>
-                </c:pt>
-                <c:pt idx="128">
-                  <c:v>64.5</c:v>
-                </c:pt>
-                <c:pt idx="129">
-                  <c:v>65</c:v>
-                </c:pt>
-                <c:pt idx="130">
-                  <c:v>65.5</c:v>
-                </c:pt>
-                <c:pt idx="131">
-                  <c:v>66</c:v>
-                </c:pt>
-                <c:pt idx="132">
-                  <c:v>66.5</c:v>
-                </c:pt>
-                <c:pt idx="133">
-                  <c:v>67</c:v>
-                </c:pt>
-                <c:pt idx="134">
-                  <c:v>67.5</c:v>
-                </c:pt>
-                <c:pt idx="135">
-                  <c:v>68</c:v>
-                </c:pt>
-                <c:pt idx="136">
-                  <c:v>68.5</c:v>
-                </c:pt>
-                <c:pt idx="137">
-                  <c:v>69</c:v>
-                </c:pt>
-                <c:pt idx="138">
-                  <c:v>69.5</c:v>
-                </c:pt>
-                <c:pt idx="139">
-                  <c:v>70</c:v>
-                </c:pt>
-                <c:pt idx="140">
-                  <c:v>70.5</c:v>
-                </c:pt>
-                <c:pt idx="141">
-                  <c:v>71</c:v>
-                </c:pt>
-                <c:pt idx="142">
-                  <c:v>71.5</c:v>
-                </c:pt>
-                <c:pt idx="143">
-                  <c:v>72</c:v>
-                </c:pt>
-                <c:pt idx="144">
-                  <c:v>72.5</c:v>
-                </c:pt>
-                <c:pt idx="145">
-                  <c:v>73</c:v>
-                </c:pt>
-                <c:pt idx="146">
-                  <c:v>73.5</c:v>
-                </c:pt>
-                <c:pt idx="147">
-                  <c:v>74</c:v>
-                </c:pt>
-                <c:pt idx="148">
-                  <c:v>74.5</c:v>
-                </c:pt>
-                <c:pt idx="149">
-                  <c:v>75</c:v>
-                </c:pt>
-                <c:pt idx="150">
-                  <c:v>75.5</c:v>
-                </c:pt>
-                <c:pt idx="151">
-                  <c:v>76</c:v>
-                </c:pt>
-                <c:pt idx="152">
-                  <c:v>76.5</c:v>
-                </c:pt>
-                <c:pt idx="153">
-                  <c:v>77</c:v>
-                </c:pt>
-                <c:pt idx="154">
-                  <c:v>77.5</c:v>
-                </c:pt>
-                <c:pt idx="155">
-                  <c:v>78</c:v>
-                </c:pt>
-                <c:pt idx="156">
-                  <c:v>78.5</c:v>
-                </c:pt>
-                <c:pt idx="157">
-                  <c:v>79</c:v>
-                </c:pt>
-                <c:pt idx="158">
-                  <c:v>79.5</c:v>
-                </c:pt>
-                <c:pt idx="159">
-                  <c:v>80</c:v>
-                </c:pt>
-                <c:pt idx="160">
-                  <c:v>80.5</c:v>
-                </c:pt>
-                <c:pt idx="161">
-                  <c:v>81</c:v>
-                </c:pt>
-                <c:pt idx="162">
-                  <c:v>81.5</c:v>
-                </c:pt>
-                <c:pt idx="163">
-                  <c:v>82</c:v>
-                </c:pt>
-                <c:pt idx="164">
-                  <c:v>82.5</c:v>
-                </c:pt>
-                <c:pt idx="165">
-                  <c:v>83</c:v>
-                </c:pt>
-                <c:pt idx="166">
-                  <c:v>83.5</c:v>
-                </c:pt>
-                <c:pt idx="167">
-                  <c:v>84</c:v>
-                </c:pt>
-                <c:pt idx="168">
-                  <c:v>84.5</c:v>
-                </c:pt>
-                <c:pt idx="169">
-                  <c:v>85</c:v>
-                </c:pt>
-                <c:pt idx="170">
-                  <c:v>85.5</c:v>
-                </c:pt>
-                <c:pt idx="171">
-                  <c:v>86</c:v>
-                </c:pt>
-                <c:pt idx="172">
-                  <c:v>86.5</c:v>
-                </c:pt>
-                <c:pt idx="173">
-                  <c:v>87</c:v>
-                </c:pt>
-                <c:pt idx="174">
-                  <c:v>87.5</c:v>
-                </c:pt>
-                <c:pt idx="175">
-                  <c:v>88</c:v>
-                </c:pt>
-                <c:pt idx="176">
-                  <c:v>88.5</c:v>
-                </c:pt>
-                <c:pt idx="177">
-                  <c:v>89</c:v>
-                </c:pt>
-                <c:pt idx="178">
-                  <c:v>89.5</c:v>
-                </c:pt>
-                <c:pt idx="179">
-                  <c:v>90</c:v>
-                </c:pt>
-                <c:pt idx="180">
-                  <c:v>90.5</c:v>
-                </c:pt>
-                <c:pt idx="181">
-                  <c:v>91</c:v>
-                </c:pt>
-                <c:pt idx="182">
-                  <c:v>91.5</c:v>
-                </c:pt>
-                <c:pt idx="183">
-                  <c:v>92</c:v>
-                </c:pt>
-                <c:pt idx="184">
-                  <c:v>92.5</c:v>
-                </c:pt>
-                <c:pt idx="185">
-                  <c:v>93</c:v>
-                </c:pt>
-                <c:pt idx="186">
-                  <c:v>93.5</c:v>
-                </c:pt>
-                <c:pt idx="187">
-                  <c:v>94</c:v>
-                </c:pt>
-                <c:pt idx="188">
-                  <c:v>94.5</c:v>
-                </c:pt>
-                <c:pt idx="189">
-                  <c:v>95</c:v>
-                </c:pt>
-                <c:pt idx="190">
-                  <c:v>95.5</c:v>
-                </c:pt>
-                <c:pt idx="191">
-                  <c:v>96</c:v>
-                </c:pt>
-                <c:pt idx="192">
-                  <c:v>96.5</c:v>
-                </c:pt>
-                <c:pt idx="193">
-                  <c:v>97</c:v>
-                </c:pt>
-                <c:pt idx="194">
-                  <c:v>97.5</c:v>
-                </c:pt>
-                <c:pt idx="195">
-                  <c:v>98</c:v>
-                </c:pt>
-                <c:pt idx="196">
-                  <c:v>98.5</c:v>
-                </c:pt>
-                <c:pt idx="197">
-                  <c:v>99</c:v>
-                </c:pt>
-                <c:pt idx="198">
-                  <c:v>99.5</c:v>
-                </c:pt>
-                <c:pt idx="199">
-                  <c:v>100</c:v>
-                </c:pt>
-                <c:pt idx="200">
-                  <c:v>100.5</c:v>
-                </c:pt>
-                <c:pt idx="201">
-                  <c:v>101</c:v>
-                </c:pt>
-                <c:pt idx="202">
-                  <c:v>101.5</c:v>
-                </c:pt>
-                <c:pt idx="203">
-                  <c:v>102</c:v>
-                </c:pt>
-                <c:pt idx="204">
-                  <c:v>102.5</c:v>
-                </c:pt>
-                <c:pt idx="205">
-                  <c:v>103</c:v>
-                </c:pt>
-                <c:pt idx="206">
-                  <c:v>103.5</c:v>
-                </c:pt>
-                <c:pt idx="207">
-                  <c:v>104</c:v>
-                </c:pt>
-                <c:pt idx="208">
-                  <c:v>104.5</c:v>
-                </c:pt>
-                <c:pt idx="209">
-                  <c:v>105</c:v>
-                </c:pt>
-                <c:pt idx="210">
-                  <c:v>105.5</c:v>
-                </c:pt>
-                <c:pt idx="211">
-                  <c:v>106</c:v>
-                </c:pt>
-                <c:pt idx="212">
-                  <c:v>106.5</c:v>
-                </c:pt>
-                <c:pt idx="213">
-                  <c:v>107</c:v>
-                </c:pt>
-                <c:pt idx="214">
-                  <c:v>107.5</c:v>
-                </c:pt>
-                <c:pt idx="215">
-                  <c:v>108</c:v>
-                </c:pt>
-                <c:pt idx="216">
-                  <c:v>108.5</c:v>
-                </c:pt>
-                <c:pt idx="217">
-                  <c:v>109</c:v>
-                </c:pt>
-                <c:pt idx="218">
-                  <c:v>109.5</c:v>
-                </c:pt>
-                <c:pt idx="219">
-                  <c:v>110</c:v>
-                </c:pt>
-                <c:pt idx="220">
-                  <c:v>110.5</c:v>
-                </c:pt>
-                <c:pt idx="221">
-                  <c:v>111</c:v>
-                </c:pt>
-                <c:pt idx="222">
-                  <c:v>111.5</c:v>
-                </c:pt>
-                <c:pt idx="223">
-                  <c:v>112</c:v>
-                </c:pt>
-                <c:pt idx="224">
-                  <c:v>112.5</c:v>
-                </c:pt>
-                <c:pt idx="225">
-                  <c:v>113</c:v>
-                </c:pt>
-                <c:pt idx="226">
-                  <c:v>113.5</c:v>
-                </c:pt>
-                <c:pt idx="227">
-                  <c:v>114</c:v>
-                </c:pt>
-                <c:pt idx="228">
-                  <c:v>114.5</c:v>
-                </c:pt>
-                <c:pt idx="229">
-                  <c:v>115</c:v>
-                </c:pt>
-                <c:pt idx="230">
-                  <c:v>115.5</c:v>
-                </c:pt>
-                <c:pt idx="231">
-                  <c:v>116</c:v>
-                </c:pt>
-                <c:pt idx="232">
-                  <c:v>116.5</c:v>
-                </c:pt>
-                <c:pt idx="233">
-                  <c:v>117</c:v>
-                </c:pt>
-                <c:pt idx="234">
-                  <c:v>117.5</c:v>
-                </c:pt>
-                <c:pt idx="235">
-                  <c:v>118</c:v>
-                </c:pt>
-                <c:pt idx="236">
-                  <c:v>118.5</c:v>
-                </c:pt>
-                <c:pt idx="237">
-                  <c:v>119</c:v>
-                </c:pt>
-                <c:pt idx="238">
-                  <c:v>119.5</c:v>
-                </c:pt>
-                <c:pt idx="239">
-                  <c:v>120</c:v>
-                </c:pt>
-                <c:pt idx="240">
-                  <c:v>120.5</c:v>
-                </c:pt>
-                <c:pt idx="241">
-                  <c:v>121</c:v>
-                </c:pt>
-                <c:pt idx="242">
-                  <c:v>121.5</c:v>
-                </c:pt>
-                <c:pt idx="243">
-                  <c:v>122</c:v>
-                </c:pt>
-                <c:pt idx="244">
-                  <c:v>122.5</c:v>
-                </c:pt>
-                <c:pt idx="245">
-                  <c:v>123</c:v>
-                </c:pt>
-                <c:pt idx="246">
-                  <c:v>123.5</c:v>
-                </c:pt>
-                <c:pt idx="247">
-                  <c:v>124</c:v>
-                </c:pt>
-                <c:pt idx="248">
-                  <c:v>124.5</c:v>
-                </c:pt>
-                <c:pt idx="249">
-                  <c:v>125</c:v>
-                </c:pt>
-                <c:pt idx="250">
-                  <c:v>125.5</c:v>
-                </c:pt>
-                <c:pt idx="251">
-                  <c:v>126</c:v>
-                </c:pt>
-                <c:pt idx="252">
-                  <c:v>126.5</c:v>
-                </c:pt>
-                <c:pt idx="253">
-                  <c:v>127</c:v>
-                </c:pt>
-                <c:pt idx="254">
-                  <c:v>127.5</c:v>
-                </c:pt>
-                <c:pt idx="255">
-                  <c:v>128</c:v>
-                </c:pt>
-                <c:pt idx="256">
-                  <c:v>128.5</c:v>
-                </c:pt>
-                <c:pt idx="257">
-                  <c:v>129</c:v>
-                </c:pt>
-                <c:pt idx="258">
-                  <c:v>129.5</c:v>
-                </c:pt>
-                <c:pt idx="259">
-                  <c:v>130</c:v>
-                </c:pt>
-                <c:pt idx="260">
-                  <c:v>130.5</c:v>
-                </c:pt>
-                <c:pt idx="261">
-                  <c:v>131</c:v>
-                </c:pt>
-                <c:pt idx="262">
-                  <c:v>131.5</c:v>
-                </c:pt>
-                <c:pt idx="263">
-                  <c:v>132</c:v>
-                </c:pt>
-                <c:pt idx="264">
-                  <c:v>132.5</c:v>
-                </c:pt>
-                <c:pt idx="265">
-                  <c:v>133</c:v>
-                </c:pt>
-                <c:pt idx="266">
-                  <c:v>133.5</c:v>
-                </c:pt>
-                <c:pt idx="267">
-                  <c:v>134</c:v>
-                </c:pt>
-                <c:pt idx="268">
-                  <c:v>134.5</c:v>
-                </c:pt>
-                <c:pt idx="269">
-                  <c:v>135</c:v>
-                </c:pt>
-                <c:pt idx="270">
-                  <c:v>135.5</c:v>
-                </c:pt>
-                <c:pt idx="271">
-                  <c:v>136</c:v>
-                </c:pt>
-                <c:pt idx="272">
-                  <c:v>136.5</c:v>
-                </c:pt>
-                <c:pt idx="273">
-                  <c:v>137</c:v>
-                </c:pt>
-                <c:pt idx="274">
-                  <c:v>137.5</c:v>
-                </c:pt>
-                <c:pt idx="275">
-                  <c:v>138</c:v>
-                </c:pt>
-                <c:pt idx="276">
-                  <c:v>138.5</c:v>
-                </c:pt>
-                <c:pt idx="277">
-                  <c:v>139</c:v>
-                </c:pt>
-                <c:pt idx="278">
-                  <c:v>139.5</c:v>
-                </c:pt>
-                <c:pt idx="279">
-                  <c:v>140</c:v>
-                </c:pt>
-                <c:pt idx="280">
-                  <c:v>140.5</c:v>
-                </c:pt>
-                <c:pt idx="281">
-                  <c:v>141</c:v>
-                </c:pt>
-                <c:pt idx="282">
-                  <c:v>141.5</c:v>
-                </c:pt>
-                <c:pt idx="283">
-                  <c:v>142</c:v>
-                </c:pt>
-                <c:pt idx="284">
-                  <c:v>142.5</c:v>
-                </c:pt>
-                <c:pt idx="285">
-                  <c:v>143</c:v>
-                </c:pt>
-                <c:pt idx="286">
-                  <c:v>143.5</c:v>
-                </c:pt>
-                <c:pt idx="287">
-                  <c:v>144</c:v>
-                </c:pt>
-                <c:pt idx="288">
-                  <c:v>144.5</c:v>
-                </c:pt>
-                <c:pt idx="289">
-                  <c:v>145</c:v>
-                </c:pt>
-                <c:pt idx="290">
-                  <c:v>145.5</c:v>
-                </c:pt>
-                <c:pt idx="291">
-                  <c:v>146</c:v>
-                </c:pt>
-                <c:pt idx="292">
-                  <c:v>146.5</c:v>
-                </c:pt>
-                <c:pt idx="293">
-                  <c:v>147</c:v>
-                </c:pt>
-                <c:pt idx="294">
-                  <c:v>147.5</c:v>
-                </c:pt>
-                <c:pt idx="295">
-                  <c:v>148</c:v>
-                </c:pt>
-                <c:pt idx="296">
-                  <c:v>148.5</c:v>
-                </c:pt>
-                <c:pt idx="297">
-                  <c:v>149</c:v>
-                </c:pt>
-                <c:pt idx="298">
-                  <c:v>149.5</c:v>
-                </c:pt>
-                <c:pt idx="299">
-                  <c:v>150</c:v>
-                </c:pt>
-                <c:pt idx="300">
-                  <c:v>150.5</c:v>
-                </c:pt>
-                <c:pt idx="301">
-                  <c:v>151</c:v>
-                </c:pt>
-                <c:pt idx="302">
-                  <c:v>151.5</c:v>
-                </c:pt>
-                <c:pt idx="303">
-                  <c:v>152</c:v>
-                </c:pt>
-                <c:pt idx="304">
-                  <c:v>152.5</c:v>
-                </c:pt>
-                <c:pt idx="305">
-                  <c:v>153</c:v>
-                </c:pt>
-                <c:pt idx="306">
-                  <c:v>153.5</c:v>
-                </c:pt>
-                <c:pt idx="307">
-                  <c:v>154</c:v>
-                </c:pt>
-                <c:pt idx="308">
-                  <c:v>154.5</c:v>
-                </c:pt>
-                <c:pt idx="309">
-                  <c:v>155</c:v>
-                </c:pt>
-                <c:pt idx="310">
-                  <c:v>155.5</c:v>
-                </c:pt>
-                <c:pt idx="311">
-                  <c:v>156</c:v>
-                </c:pt>
-                <c:pt idx="312">
-                  <c:v>156.5</c:v>
-                </c:pt>
-                <c:pt idx="313">
-                  <c:v>157</c:v>
-                </c:pt>
-                <c:pt idx="314">
-                  <c:v>157.5</c:v>
-                </c:pt>
-                <c:pt idx="315">
-                  <c:v>158</c:v>
-                </c:pt>
-                <c:pt idx="316">
-                  <c:v>158.5</c:v>
-                </c:pt>
-                <c:pt idx="317">
-                  <c:v>159</c:v>
-                </c:pt>
-                <c:pt idx="318">
-                  <c:v>159.5</c:v>
-                </c:pt>
-                <c:pt idx="319">
-                  <c:v>160</c:v>
-                </c:pt>
-                <c:pt idx="320">
-                  <c:v>160.5</c:v>
-                </c:pt>
-                <c:pt idx="321">
-                  <c:v>161</c:v>
-                </c:pt>
-                <c:pt idx="322">
-                  <c:v>161.5</c:v>
-                </c:pt>
-                <c:pt idx="323">
-                  <c:v>162</c:v>
-                </c:pt>
-                <c:pt idx="324">
-                  <c:v>162.5</c:v>
-                </c:pt>
-                <c:pt idx="325">
-                  <c:v>163</c:v>
-                </c:pt>
-                <c:pt idx="326">
-                  <c:v>163.5</c:v>
-                </c:pt>
-                <c:pt idx="327">
-                  <c:v>164</c:v>
-                </c:pt>
-                <c:pt idx="328">
-                  <c:v>164.5</c:v>
-                </c:pt>
-                <c:pt idx="329">
-                  <c:v>165</c:v>
-                </c:pt>
-                <c:pt idx="330">
-                  <c:v>165.5</c:v>
-                </c:pt>
-                <c:pt idx="331">
-                  <c:v>166</c:v>
-                </c:pt>
-                <c:pt idx="332">
-                  <c:v>166.5</c:v>
-                </c:pt>
-                <c:pt idx="333">
-                  <c:v>167</c:v>
-                </c:pt>
-                <c:pt idx="334">
-                  <c:v>167.5</c:v>
-                </c:pt>
-                <c:pt idx="335">
-                  <c:v>168</c:v>
-                </c:pt>
-                <c:pt idx="336">
-                  <c:v>168.5</c:v>
-                </c:pt>
-                <c:pt idx="337">
-                  <c:v>169</c:v>
-                </c:pt>
-                <c:pt idx="338">
-                  <c:v>169.5</c:v>
-                </c:pt>
-                <c:pt idx="339">
-                  <c:v>170</c:v>
-                </c:pt>
-                <c:pt idx="340">
-                  <c:v>170.5</c:v>
-                </c:pt>
-                <c:pt idx="341">
-                  <c:v>171</c:v>
-                </c:pt>
-                <c:pt idx="342">
-                  <c:v>171.5</c:v>
-                </c:pt>
-                <c:pt idx="343">
-                  <c:v>172</c:v>
-                </c:pt>
-                <c:pt idx="344">
-                  <c:v>172.5</c:v>
-                </c:pt>
-                <c:pt idx="345">
-                  <c:v>173</c:v>
-                </c:pt>
-                <c:pt idx="346">
-                  <c:v>173.5</c:v>
-                </c:pt>
-                <c:pt idx="347">
-                  <c:v>174</c:v>
-                </c:pt>
-                <c:pt idx="348">
-                  <c:v>174.5</c:v>
-                </c:pt>
-                <c:pt idx="349">
-                  <c:v>175</c:v>
-                </c:pt>
-                <c:pt idx="350">
-                  <c:v>175.5</c:v>
-                </c:pt>
-                <c:pt idx="351">
-                  <c:v>176</c:v>
-                </c:pt>
-                <c:pt idx="352">
-                  <c:v>176.5</c:v>
-                </c:pt>
-                <c:pt idx="353">
-                  <c:v>177</c:v>
-                </c:pt>
-                <c:pt idx="354">
-                  <c:v>177.5</c:v>
-                </c:pt>
-                <c:pt idx="355">
-                  <c:v>178</c:v>
-                </c:pt>
-                <c:pt idx="356">
-                  <c:v>178.5</c:v>
-                </c:pt>
-                <c:pt idx="357">
-                  <c:v>179</c:v>
-                </c:pt>
-                <c:pt idx="358">
-                  <c:v>179.5</c:v>
-                </c:pt>
-                <c:pt idx="359">
-                  <c:v>180</c:v>
-                </c:pt>
-                <c:pt idx="360">
-                  <c:v>180.5</c:v>
-                </c:pt>
-                <c:pt idx="361">
-                  <c:v>181</c:v>
-                </c:pt>
-                <c:pt idx="362">
-                  <c:v>181.5</c:v>
-                </c:pt>
-                <c:pt idx="363">
-                  <c:v>182</c:v>
-                </c:pt>
-                <c:pt idx="364">
-                  <c:v>182.5</c:v>
-                </c:pt>
-                <c:pt idx="365">
-                  <c:v>183</c:v>
-                </c:pt>
-                <c:pt idx="366">
-                  <c:v>183.5</c:v>
-                </c:pt>
-                <c:pt idx="367">
-                  <c:v>184</c:v>
-                </c:pt>
-                <c:pt idx="368">
-                  <c:v>184.5</c:v>
-                </c:pt>
-                <c:pt idx="369">
-                  <c:v>185</c:v>
-                </c:pt>
-                <c:pt idx="370">
-                  <c:v>185.5</c:v>
-                </c:pt>
-                <c:pt idx="371">
-                  <c:v>186</c:v>
-                </c:pt>
-                <c:pt idx="372">
-                  <c:v>186.5</c:v>
-                </c:pt>
-                <c:pt idx="373">
-                  <c:v>187</c:v>
-                </c:pt>
-                <c:pt idx="374">
-                  <c:v>187.5</c:v>
-                </c:pt>
-                <c:pt idx="375">
-                  <c:v>188</c:v>
-                </c:pt>
-                <c:pt idx="376">
-                  <c:v>188.5</c:v>
-                </c:pt>
-                <c:pt idx="377">
-                  <c:v>189</c:v>
-                </c:pt>
-                <c:pt idx="378">
-                  <c:v>189.5</c:v>
-                </c:pt>
-                <c:pt idx="379">
-                  <c:v>190</c:v>
-                </c:pt>
-                <c:pt idx="380">
-                  <c:v>190.5</c:v>
-                </c:pt>
-                <c:pt idx="381">
-                  <c:v>191</c:v>
-                </c:pt>
-                <c:pt idx="382">
-                  <c:v>191.5</c:v>
-                </c:pt>
-                <c:pt idx="383">
-                  <c:v>192</c:v>
-                </c:pt>
-                <c:pt idx="384">
-                  <c:v>192.5</c:v>
-                </c:pt>
-                <c:pt idx="385">
-                  <c:v>193</c:v>
-                </c:pt>
-                <c:pt idx="386">
-                  <c:v>193.5</c:v>
-                </c:pt>
-                <c:pt idx="387">
-                  <c:v>194</c:v>
-                </c:pt>
-                <c:pt idx="388">
-                  <c:v>194.5</c:v>
-                </c:pt>
-                <c:pt idx="389">
-                  <c:v>195</c:v>
-                </c:pt>
-                <c:pt idx="390">
-                  <c:v>195.5</c:v>
-                </c:pt>
-                <c:pt idx="391">
-                  <c:v>196</c:v>
-                </c:pt>
-                <c:pt idx="392">
-                  <c:v>196.5</c:v>
-                </c:pt>
-              </c:numCache>
-            </c:numRef>
-          </c:cat>
-          <c:val>
-            <c:numRef>
-              <c:f>Sheet!$C$30:$C$422</c:f>
-              <c:numCache>
-                <c:formatCode>0.00000</c:formatCode>
-                <c:ptCount val="393"/>
-                <c:pt idx="0">
-                  <c:v>1.2063900000000001</c:v>
-                </c:pt>
-                <c:pt idx="1">
-                  <c:v>-35.589829999999999</c:v>
-                </c:pt>
-                <c:pt idx="2">
-                  <c:v>-1.4757899999999999</c:v>
-                </c:pt>
-                <c:pt idx="3">
-                  <c:v>-13.114140000000001</c:v>
-                </c:pt>
-                <c:pt idx="4">
-                  <c:v>6.9125300000000003</c:v>
-                </c:pt>
-                <c:pt idx="5">
-                  <c:v>32.240259999999999</c:v>
-                </c:pt>
-                <c:pt idx="6">
-                  <c:v>47.677529999999997</c:v>
-                </c:pt>
-                <c:pt idx="7">
-                  <c:v>54.678510000000003</c:v>
-                </c:pt>
-                <c:pt idx="8">
-                  <c:v>57.955199999999998</c:v>
-                </c:pt>
-                <c:pt idx="9">
-                  <c:v>31.816210000000002</c:v>
-                </c:pt>
-                <c:pt idx="10">
-                  <c:v>27.774920000000002</c:v>
-                </c:pt>
-                <c:pt idx="11">
-                  <c:v>25.845330000000001</c:v>
-                </c:pt>
-                <c:pt idx="12">
-                  <c:v>24.349930000000001</c:v>
-                </c:pt>
-                <c:pt idx="13">
-                  <c:v>30.547550000000001</c:v>
-                </c:pt>
-                <c:pt idx="14">
-                  <c:v>7.7426500000000003</c:v>
-                </c:pt>
-                <c:pt idx="15">
-                  <c:v>0.57411000000000001</c:v>
-                </c:pt>
-                <c:pt idx="16">
-                  <c:v>2.1103100000000001</c:v>
-                </c:pt>
-                <c:pt idx="17">
-                  <c:v>-0.16721</c:v>
-                </c:pt>
-                <c:pt idx="18">
-                  <c:v>-2.33725</c:v>
-                </c:pt>
-                <c:pt idx="19">
-                  <c:v>-3.1584099999999999</c:v>
-                </c:pt>
-                <c:pt idx="20">
-                  <c:v>-1.7255799999999999</c:v>
-                </c:pt>
-                <c:pt idx="21">
-                  <c:v>1.9294</c:v>
-                </c:pt>
-                <c:pt idx="22">
-                  <c:v>5.2459300000000004</c:v>
-                </c:pt>
-                <c:pt idx="23">
-                  <c:v>7.2441800000000001</c:v>
-                </c:pt>
-                <c:pt idx="24">
-                  <c:v>5.7258199999999997</c:v>
-                </c:pt>
-                <c:pt idx="25">
-                  <c:v>1.97045</c:v>
-                </c:pt>
-                <c:pt idx="26">
-                  <c:v>-1.4484699999999999</c:v>
-                </c:pt>
-                <c:pt idx="27">
-                  <c:v>-1.97153</c:v>
-                </c:pt>
-                <c:pt idx="28">
-                  <c:v>-0.35465000000000002</c:v>
-                </c:pt>
-                <c:pt idx="29">
-                  <c:v>1.77159</c:v>
-                </c:pt>
-                <c:pt idx="30">
-                  <c:v>3.7257699999999998</c:v>
-                </c:pt>
-                <c:pt idx="31">
-                  <c:v>5.3246099999999998</c:v>
-                </c:pt>
-                <c:pt idx="32">
-                  <c:v>1.9936700000000001</c:v>
-                </c:pt>
-                <c:pt idx="33">
-                  <c:v>-1.2829699999999999</c:v>
-                </c:pt>
-                <c:pt idx="34">
-                  <c:v>-3.7522199999999999</c:v>
-                </c:pt>
-                <c:pt idx="35">
-                  <c:v>-7.24343</c:v>
-                </c:pt>
-                <c:pt idx="36">
-                  <c:v>-2.9425300000000001</c:v>
-                </c:pt>
-                <c:pt idx="37">
-                  <c:v>-0.32552999999999999</c:v>
-                </c:pt>
-                <c:pt idx="38">
-                  <c:v>2.04345</c:v>
-                </c:pt>
-                <c:pt idx="39">
-                  <c:v>0.77317999999999998</c:v>
-                </c:pt>
-                <c:pt idx="40">
-                  <c:v>-3.55586</c:v>
-                </c:pt>
-                <c:pt idx="41">
-                  <c:v>-7.7181199999999999</c:v>
-                </c:pt>
-                <c:pt idx="42">
-                  <c:v>-8.1886600000000005</c:v>
-                </c:pt>
-                <c:pt idx="43">
-                  <c:v>-6.4934599999999998</c:v>
-                </c:pt>
-                <c:pt idx="44">
-                  <c:v>-2.7587899999999999</c:v>
-                </c:pt>
-                <c:pt idx="45">
-                  <c:v>0.43808999999999998</c:v>
-                </c:pt>
-                <c:pt idx="46">
-                  <c:v>2.4670999999999998</c:v>
-                </c:pt>
-                <c:pt idx="47">
-                  <c:v>-1.54955</c:v>
-                </c:pt>
-                <c:pt idx="48">
-                  <c:v>-3.0629300000000002</c:v>
-                </c:pt>
-                <c:pt idx="49">
-                  <c:v>-9.6150699999999993</c:v>
-                </c:pt>
-                <c:pt idx="50">
-                  <c:v>-8.4843100000000007</c:v>
-                </c:pt>
-                <c:pt idx="51">
-                  <c:v>-4.4405099999999997</c:v>
-                </c:pt>
-                <c:pt idx="52">
-                  <c:v>-0.41370000000000001</c:v>
-                </c:pt>
-                <c:pt idx="53">
-                  <c:v>1.8142199999999999</c:v>
-                </c:pt>
-                <c:pt idx="54">
-                  <c:v>0.41776999999999997</c:v>
-                </c:pt>
-                <c:pt idx="55">
-                  <c:v>-3.5622500000000001</c:v>
-                </c:pt>
-                <c:pt idx="56">
-                  <c:v>-8.1078899999999994</c:v>
-                </c:pt>
-                <c:pt idx="57">
-                  <c:v>-9.5527300000000004</c:v>
-                </c:pt>
-                <c:pt idx="58">
-                  <c:v>-6.3723299999999998</c:v>
-                </c:pt>
-                <c:pt idx="59">
-                  <c:v>-2.5012699999999999</c:v>
-                </c:pt>
-                <c:pt idx="60">
-                  <c:v>2.1594199999999999</c:v>
-                </c:pt>
-                <c:pt idx="61">
-                  <c:v>2.60141</c:v>
-                </c:pt>
-                <c:pt idx="62">
-                  <c:v>-1.39507</c:v>
-                </c:pt>
-                <c:pt idx="63">
-                  <c:v>-1.3009900000000001</c:v>
-                </c:pt>
-                <c:pt idx="64">
-                  <c:v>-6.2353100000000001</c:v>
-                </c:pt>
-                <c:pt idx="65">
-                  <c:v>-38.813809999999997</c:v>
-                </c:pt>
-                <c:pt idx="66">
-                  <c:v>-48.813839999999999</c:v>
-                </c:pt>
-                <c:pt idx="67">
-                  <c:v>-9.0450300000000006</c:v>
-                </c:pt>
-                <c:pt idx="68">
-                  <c:v>-1.65432</c:v>
-                </c:pt>
-                <c:pt idx="69">
-                  <c:v>-19.064240000000002</c:v>
-                </c:pt>
-                <c:pt idx="70">
-                  <c:v>-22.652709999999999</c:v>
-                </c:pt>
-                <c:pt idx="71">
-                  <c:v>-2.1568800000000001</c:v>
-                </c:pt>
-                <c:pt idx="72">
-                  <c:v>-14.88852</c:v>
-                </c:pt>
-                <c:pt idx="73">
-                  <c:v>-13.558009999999999</c:v>
-                </c:pt>
-                <c:pt idx="74">
-                  <c:v>-6.1625100000000002</c:v>
-                </c:pt>
-                <c:pt idx="75">
-                  <c:v>-9.7501599999999993</c:v>
-                </c:pt>
-                <c:pt idx="76">
-                  <c:v>6.7753199999999998</c:v>
-                </c:pt>
-                <c:pt idx="77">
-                  <c:v>7.6085900000000004</c:v>
-                </c:pt>
-                <c:pt idx="78">
-                  <c:v>9.2957400000000003</c:v>
-                </c:pt>
-                <c:pt idx="79">
-                  <c:v>-7.8949400000000001</c:v>
-                </c:pt>
-                <c:pt idx="80">
-                  <c:v>-5.7316200000000004</c:v>
-                </c:pt>
-                <c:pt idx="81">
-                  <c:v>-1.2722899999999999</c:v>
-                </c:pt>
-                <c:pt idx="82">
-                  <c:v>-0.12792000000000001</c:v>
-                </c:pt>
-                <c:pt idx="83">
-                  <c:v>-29.91893</c:v>
-                </c:pt>
-                <c:pt idx="84">
-                  <c:v>-30.692599999999999</c:v>
-                </c:pt>
-                <c:pt idx="85">
-                  <c:v>-23.441230000000001</c:v>
-                </c:pt>
-                <c:pt idx="86">
-                  <c:v>-21.395430000000001</c:v>
-                </c:pt>
-                <c:pt idx="87">
-                  <c:v>-23.889939999999999</c:v>
-                </c:pt>
-                <c:pt idx="88">
-                  <c:v>-23.280919999999998</c:v>
-                </c:pt>
-                <c:pt idx="89">
-                  <c:v>-23.171620000000001</c:v>
-                </c:pt>
-                <c:pt idx="90">
-                  <c:v>-21.71143</c:v>
-                </c:pt>
-                <c:pt idx="91">
-                  <c:v>-16.544039999999999</c:v>
-                </c:pt>
-                <c:pt idx="92">
-                  <c:v>-21.75911</c:v>
-                </c:pt>
-                <c:pt idx="93">
-                  <c:v>-20.65624</c:v>
-                </c:pt>
-                <c:pt idx="94">
-                  <c:v>3.3201100000000001</c:v>
-                </c:pt>
-                <c:pt idx="95">
-                  <c:v>-2.0232000000000001</c:v>
-                </c:pt>
-                <c:pt idx="96">
-                  <c:v>0.56581000000000004</c:v>
-                </c:pt>
-                <c:pt idx="97">
-                  <c:v>-0.22517999999999999</c:v>
-                </c:pt>
-                <c:pt idx="98">
-                  <c:v>0.2616</c:v>
-                </c:pt>
-                <c:pt idx="99">
-                  <c:v>-1.2099299999999999</c:v>
-                </c:pt>
-                <c:pt idx="100">
-                  <c:v>-2.8929299999999998</c:v>
-                </c:pt>
-                <c:pt idx="101">
-                  <c:v>6.2489100000000004</c:v>
-                </c:pt>
-                <c:pt idx="102">
-                  <c:v>-4.1182299999999996</c:v>
-                </c:pt>
-                <c:pt idx="103">
-                  <c:v>-3.30707</c:v>
-                </c:pt>
-                <c:pt idx="104">
-                  <c:v>11.867749999999999</c:v>
-                </c:pt>
-                <c:pt idx="105">
-                  <c:v>-4.4931299999999998</c:v>
-                </c:pt>
-                <c:pt idx="106">
-                  <c:v>-4.1058000000000003</c:v>
-                </c:pt>
-                <c:pt idx="107">
-                  <c:v>3.6894100000000001</c:v>
-                </c:pt>
-                <c:pt idx="108">
-                  <c:v>7.3179999999999996</c:v>
-                </c:pt>
-                <c:pt idx="109">
-                  <c:v>5.7221399999999996</c:v>
-                </c:pt>
-                <c:pt idx="110">
-                  <c:v>0.17560000000000001</c:v>
-                </c:pt>
-                <c:pt idx="111">
-                  <c:v>-9.4909800000000004</c:v>
-                </c:pt>
-                <c:pt idx="112">
-                  <c:v>-0.73558000000000001</c:v>
-                </c:pt>
-                <c:pt idx="113">
-                  <c:v>-8.2864799999999992</c:v>
-                </c:pt>
-                <c:pt idx="114">
-                  <c:v>-5.8063500000000001</c:v>
-                </c:pt>
-                <c:pt idx="115">
-                  <c:v>2.9054600000000002</c:v>
-                </c:pt>
-                <c:pt idx="116">
-                  <c:v>2.8614999999999999</c:v>
-                </c:pt>
-                <c:pt idx="117">
-                  <c:v>0.19434999999999999</c:v>
-                </c:pt>
-                <c:pt idx="118">
-                  <c:v>-10.82694</c:v>
-                </c:pt>
-                <c:pt idx="119">
-                  <c:v>-12.45899</c:v>
-                </c:pt>
-                <c:pt idx="120">
-                  <c:v>-1.99336</c:v>
-                </c:pt>
-                <c:pt idx="121">
-                  <c:v>-6.3811400000000003</c:v>
-                </c:pt>
-                <c:pt idx="122">
-                  <c:v>-0.16558</c:v>
-                </c:pt>
-                <c:pt idx="123">
-                  <c:v>-5.6241899999999996</c:v>
-                </c:pt>
-                <c:pt idx="124">
-                  <c:v>-4.6581599999999996</c:v>
-                </c:pt>
-                <c:pt idx="125">
-                  <c:v>-1.09398</c:v>
-                </c:pt>
-                <c:pt idx="126">
-                  <c:v>2.3796599999999999</c:v>
-                </c:pt>
-                <c:pt idx="127">
-                  <c:v>-1.96668</c:v>
-                </c:pt>
-                <c:pt idx="128">
-                  <c:v>-10.86679</c:v>
-                </c:pt>
-                <c:pt idx="129">
-                  <c:v>-4.1632699999999998</c:v>
-                </c:pt>
-                <c:pt idx="130">
-                  <c:v>-6.60032</c:v>
-                </c:pt>
-                <c:pt idx="131">
-                  <c:v>9.8621800000000004</c:v>
-                </c:pt>
-                <c:pt idx="132">
-                  <c:v>-1.7166999999999999</c:v>
-                </c:pt>
-                <c:pt idx="133">
-                  <c:v>20.04156</c:v>
-                </c:pt>
-                <c:pt idx="134">
-                  <c:v>1.94546</c:v>
-                </c:pt>
-                <c:pt idx="135">
-                  <c:v>-5.6537300000000004</c:v>
-                </c:pt>
-                <c:pt idx="136">
-                  <c:v>-8.4441900000000008</c:v>
-                </c:pt>
-                <c:pt idx="137">
-                  <c:v>4.2321200000000001</c:v>
-                </c:pt>
-                <c:pt idx="138">
-                  <c:v>2.5953599999999999</c:v>
-                </c:pt>
-                <c:pt idx="139">
-                  <c:v>-1.0336000000000001</c:v>
-                </c:pt>
-                <c:pt idx="140">
-                  <c:v>-3.2513999999999998</c:v>
-                </c:pt>
-                <c:pt idx="141">
-                  <c:v>2.8185699999999998</c:v>
-                </c:pt>
-                <c:pt idx="142">
-                  <c:v>13.65593</c:v>
-                </c:pt>
-                <c:pt idx="143">
-                  <c:v>10.142760000000001</c:v>
-                </c:pt>
-                <c:pt idx="144">
-                  <c:v>-5.0545499999999999</c:v>
-                </c:pt>
-                <c:pt idx="145">
-                  <c:v>10.84695</c:v>
-                </c:pt>
-                <c:pt idx="146">
-                  <c:v>1.27837</c:v>
-                </c:pt>
-                <c:pt idx="147">
-                  <c:v>-5.5524100000000001</c:v>
-                </c:pt>
-                <c:pt idx="148">
-                  <c:v>3.3526799999999999</c:v>
-                </c:pt>
-                <c:pt idx="149">
-                  <c:v>4.6699799999999998</c:v>
-                </c:pt>
-                <c:pt idx="150">
-                  <c:v>0.41696</c:v>
-                </c:pt>
-                <c:pt idx="151">
-                  <c:v>-0.88593999999999995</c:v>
-                </c:pt>
-                <c:pt idx="152">
-                  <c:v>-2.3788900000000002</c:v>
-                </c:pt>
-                <c:pt idx="153">
-                  <c:v>4.2572599999999996</c:v>
-                </c:pt>
-                <c:pt idx="154">
-                  <c:v>-7.3787900000000004</c:v>
-                </c:pt>
-                <c:pt idx="155">
-                  <c:v>-1.5166200000000001</c:v>
-                </c:pt>
-                <c:pt idx="156">
-                  <c:v>4.5640900000000002</c:v>
-                </c:pt>
-                <c:pt idx="157">
-                  <c:v>-4.1783799999999998</c:v>
-                </c:pt>
-                <c:pt idx="158">
-                  <c:v>0.83355000000000001</c:v>
-                </c:pt>
-                <c:pt idx="159">
-                  <c:v>-1.6896100000000001</c:v>
-                </c:pt>
-                <c:pt idx="160">
-                  <c:v>-5.3019699999999998</c:v>
-                </c:pt>
-                <c:pt idx="161">
-                  <c:v>-8.7262500000000003</c:v>
-                </c:pt>
-                <c:pt idx="162">
-                  <c:v>0.20633000000000001</c:v>
-                </c:pt>
-                <c:pt idx="163">
-                  <c:v>3.72912</c:v>
-                </c:pt>
-                <c:pt idx="164">
-                  <c:v>1.7376499999999999</c:v>
-                </c:pt>
-                <c:pt idx="165">
-                  <c:v>3.4466199999999998</c:v>
-                </c:pt>
-                <c:pt idx="166">
-                  <c:v>-0.13711000000000001</c:v>
-                </c:pt>
-                <c:pt idx="167">
-                  <c:v>-7.6082999999999998</c:v>
-                </c:pt>
-                <c:pt idx="168">
-                  <c:v>2.9876800000000001</c:v>
-                </c:pt>
-                <c:pt idx="169">
-                  <c:v>-8.5742200000000004</c:v>
-                </c:pt>
-                <c:pt idx="170">
-                  <c:v>3.1857500000000001</c:v>
-                </c:pt>
-                <c:pt idx="171">
-                  <c:v>4.7038200000000003</c:v>
-                </c:pt>
-                <c:pt idx="172">
-                  <c:v>-2.0215299999999998</c:v>
-                </c:pt>
-                <c:pt idx="173">
-                  <c:v>-2.5636700000000001</c:v>
-                </c:pt>
-                <c:pt idx="174">
-                  <c:v>9.7254400000000008</c:v>
-                </c:pt>
-                <c:pt idx="175">
-                  <c:v>9.0485799999999994</c:v>
-                </c:pt>
-                <c:pt idx="176">
-                  <c:v>7.7835400000000003</c:v>
-                </c:pt>
-                <c:pt idx="177">
-                  <c:v>6.6183500000000004</c:v>
-                </c:pt>
-                <c:pt idx="178">
-                  <c:v>17.74409</c:v>
-                </c:pt>
-                <c:pt idx="179">
-                  <c:v>5.4301599999999999</c:v>
-                </c:pt>
-                <c:pt idx="180">
-                  <c:v>1.2545599999999999</c:v>
-                </c:pt>
-                <c:pt idx="181">
-                  <c:v>1.6004100000000001</c:v>
-                </c:pt>
-                <c:pt idx="182">
-                  <c:v>-2.3485299999999998</c:v>
-                </c:pt>
-                <c:pt idx="183">
-                  <c:v>-0.13475999999999999</c:v>
-                </c:pt>
-                <c:pt idx="184">
-                  <c:v>-1.2911900000000001</c:v>
-                </c:pt>
-                <c:pt idx="185">
-                  <c:v>-8.9174500000000005</c:v>
-                </c:pt>
-                <c:pt idx="186">
-                  <c:v>-3.3284600000000002</c:v>
-                </c:pt>
-                <c:pt idx="187">
-                  <c:v>-8.0777900000000002</c:v>
-                </c:pt>
-                <c:pt idx="188">
-                  <c:v>6.8458800000000002</c:v>
-                </c:pt>
-                <c:pt idx="189">
-                  <c:v>-1.0298799999999999</c:v>
-                </c:pt>
-                <c:pt idx="190">
-                  <c:v>-4.07158</c:v>
-                </c:pt>
-                <c:pt idx="191">
-                  <c:v>-4.1595500000000003</c:v>
-                </c:pt>
-                <c:pt idx="192">
-                  <c:v>-11.18896</c:v>
-                </c:pt>
-                <c:pt idx="193">
-                  <c:v>-3.8115199999999998</c:v>
-                </c:pt>
-                <c:pt idx="194">
-                  <c:v>-2.3288500000000001</c:v>
-                </c:pt>
-                <c:pt idx="195">
-                  <c:v>-2.2883100000000001</c:v>
-                </c:pt>
-                <c:pt idx="196">
-                  <c:v>-4.5662700000000003</c:v>
-                </c:pt>
-                <c:pt idx="197">
-                  <c:v>-10.14907</c:v>
-                </c:pt>
-                <c:pt idx="198">
-                  <c:v>-11.36321</c:v>
-                </c:pt>
-                <c:pt idx="199">
-                  <c:v>-9.3561599999999991</c:v>
-                </c:pt>
-                <c:pt idx="200">
-                  <c:v>-3.6949900000000002</c:v>
-                </c:pt>
-                <c:pt idx="201">
-                  <c:v>-1.2485299999999999</c:v>
-                </c:pt>
-                <c:pt idx="202">
-                  <c:v>-4.5242199999999997</c:v>
-                </c:pt>
-                <c:pt idx="203">
-                  <c:v>2.3725399999999999</c:v>
-                </c:pt>
-                <c:pt idx="204">
-                  <c:v>1.4813499999999999</c:v>
-                </c:pt>
-                <c:pt idx="205">
-                  <c:v>-3.7505799999999998</c:v>
-                </c:pt>
-                <c:pt idx="206">
-                  <c:v>6.5696199999999996</c:v>
-                </c:pt>
-                <c:pt idx="207">
-                  <c:v>0.89932000000000001</c:v>
-                </c:pt>
-                <c:pt idx="208">
-                  <c:v>-11.81108</c:v>
-                </c:pt>
-                <c:pt idx="209">
-                  <c:v>-5.6832099999999999</c:v>
-                </c:pt>
-                <c:pt idx="210">
-                  <c:v>-1.6988000000000001</c:v>
-                </c:pt>
-                <c:pt idx="211">
-                  <c:v>3.2114699999999998</c:v>
-                </c:pt>
-                <c:pt idx="212">
-                  <c:v>-3.2367599999999999</c:v>
-                </c:pt>
-                <c:pt idx="213">
-                  <c:v>-1.8832199999999999</c:v>
-                </c:pt>
-                <c:pt idx="214">
-                  <c:v>-1.3902699999999999</c:v>
-                </c:pt>
-                <c:pt idx="215">
-                  <c:v>-1.8993899999999999</c:v>
-                </c:pt>
-                <c:pt idx="216">
-                  <c:v>0.36653000000000002</c:v>
-                </c:pt>
-                <c:pt idx="217">
-                  <c:v>2.70444</c:v>
-                </c:pt>
-                <c:pt idx="218">
-                  <c:v>2.6304400000000001</c:v>
-                </c:pt>
-                <c:pt idx="219">
-                  <c:v>6.24458</c:v>
-                </c:pt>
-                <c:pt idx="220">
-                  <c:v>12.805440000000001</c:v>
-                </c:pt>
-                <c:pt idx="221">
-                  <c:v>-1.43343</c:v>
-                </c:pt>
-                <c:pt idx="222">
-                  <c:v>-4.7985699999999998</c:v>
-                </c:pt>
-                <c:pt idx="223">
-                  <c:v>-5.6105499999999999</c:v>
-                </c:pt>
-                <c:pt idx="224">
-                  <c:v>-5.4832400000000003</c:v>
-                </c:pt>
-                <c:pt idx="225">
-                  <c:v>2.2820800000000001</c:v>
-                </c:pt>
-                <c:pt idx="226">
-                  <c:v>4.8379700000000003</c:v>
-                </c:pt>
-                <c:pt idx="227">
-                  <c:v>6.5919299999999996</c:v>
-                </c:pt>
-                <c:pt idx="228">
-                  <c:v>-5.14405</c:v>
-                </c:pt>
-                <c:pt idx="229">
-                  <c:v>-3.8446600000000002</c:v>
-                </c:pt>
-                <c:pt idx="230">
-                  <c:v>1.54945</c:v>
-                </c:pt>
-                <c:pt idx="231">
-                  <c:v>-1.50671</c:v>
-                </c:pt>
-                <c:pt idx="232">
-                  <c:v>-0.49957000000000001</c:v>
-                </c:pt>
-                <c:pt idx="233" formatCode="0.000000E-0">
-                  <c:v>-4.38845E-2</c:v>
-                </c:pt>
-                <c:pt idx="234">
-                  <c:v>1.7391399999999999</c:v>
-                </c:pt>
-                <c:pt idx="235">
-                  <c:v>-7.4881200000000003</c:v>
-                </c:pt>
-                <c:pt idx="236">
-                  <c:v>-7.6405799999999999</c:v>
-                </c:pt>
-                <c:pt idx="237">
-                  <c:v>-8.4820200000000003</c:v>
-                </c:pt>
-                <c:pt idx="238">
-                  <c:v>-2.7571400000000001</c:v>
-                </c:pt>
-                <c:pt idx="239">
-                  <c:v>-1.2659800000000001</c:v>
-                </c:pt>
-                <c:pt idx="240">
-                  <c:v>3.3588200000000001</c:v>
-                </c:pt>
-                <c:pt idx="241">
-                  <c:v>-7.7505600000000001</c:v>
-                </c:pt>
-                <c:pt idx="242">
-                  <c:v>-5.1584599999999998</c:v>
-                </c:pt>
-                <c:pt idx="243">
-                  <c:v>-4.5096800000000004</c:v>
-                </c:pt>
-                <c:pt idx="244">
-                  <c:v>-6.5043899999999999</c:v>
-                </c:pt>
-                <c:pt idx="245">
-                  <c:v>-3.1616</c:v>
-                </c:pt>
-                <c:pt idx="246">
-                  <c:v>-4.0552999999999999</c:v>
-                </c:pt>
-                <c:pt idx="247">
-                  <c:v>-5.7825300000000004</c:v>
-                </c:pt>
-                <c:pt idx="248">
-                  <c:v>-4.8885800000000001</c:v>
-                </c:pt>
-                <c:pt idx="249">
-                  <c:v>-2.03755</c:v>
-                </c:pt>
-                <c:pt idx="250">
-                  <c:v>-5.4283400000000004</c:v>
-                </c:pt>
-                <c:pt idx="251">
-                  <c:v>-0.61834999999999996</c:v>
-                </c:pt>
-                <c:pt idx="252">
-                  <c:v>-4.2223600000000001</c:v>
-                </c:pt>
-                <c:pt idx="253">
-                  <c:v>-2.6622699999999999</c:v>
-                </c:pt>
-                <c:pt idx="254">
-                  <c:v>-3.0411700000000002</c:v>
-                </c:pt>
-                <c:pt idx="255">
-                  <c:v>1.26274</c:v>
-                </c:pt>
-                <c:pt idx="256">
-                  <c:v>-1.7097100000000001</c:v>
-                </c:pt>
-                <c:pt idx="257">
-                  <c:v>-2.4726300000000001</c:v>
-                </c:pt>
-                <c:pt idx="258">
-                  <c:v>-5.58507</c:v>
-                </c:pt>
-                <c:pt idx="259">
-                  <c:v>-3.78213</c:v>
-                </c:pt>
-                <c:pt idx="260">
-                  <c:v>-3.6589900000000002</c:v>
-                </c:pt>
-                <c:pt idx="261">
-                  <c:v>-3.4414199999999999</c:v>
-                </c:pt>
-                <c:pt idx="262">
-                  <c:v>-0.66164000000000001</c:v>
-                </c:pt>
-                <c:pt idx="263">
-                  <c:v>-1.9334199999999999</c:v>
-                </c:pt>
-                <c:pt idx="264">
-                  <c:v>1.14744</c:v>
-                </c:pt>
-                <c:pt idx="265">
-                  <c:v>-1.8350299999999999</c:v>
-                </c:pt>
-                <c:pt idx="266">
-                  <c:v>-4.5141799999999996</c:v>
-                </c:pt>
-                <c:pt idx="267">
-                  <c:v>-1.0068699999999999</c:v>
-                </c:pt>
-                <c:pt idx="268">
-                  <c:v>-4.3651499999999999</c:v>
-                </c:pt>
-                <c:pt idx="269">
-                  <c:v>-2.2090700000000001</c:v>
-                </c:pt>
-                <c:pt idx="270">
-                  <c:v>-4.91181</c:v>
-                </c:pt>
-                <c:pt idx="271">
-                  <c:v>-2.12737</c:v>
-                </c:pt>
-                <c:pt idx="272">
-                  <c:v>-6.1209499999999997</c:v>
-                </c:pt>
-                <c:pt idx="273">
-                  <c:v>0.25272</c:v>
-                </c:pt>
-                <c:pt idx="274">
-                  <c:v>0.35811999999999999</c:v>
-                </c:pt>
-                <c:pt idx="275">
-                  <c:v>-1.5185299999999999</c:v>
-                </c:pt>
-                <c:pt idx="276">
-                  <c:v>-1.5520099999999999</c:v>
-                </c:pt>
-                <c:pt idx="277">
-                  <c:v>-0.93806</c:v>
-                </c:pt>
-                <c:pt idx="278">
-                  <c:v>-0.36347000000000002</c:v>
-                </c:pt>
-                <c:pt idx="279">
-                  <c:v>-5.9877599999999997</c:v>
-                </c:pt>
-                <c:pt idx="280">
-                  <c:v>-3.3484600000000002</c:v>
-                </c:pt>
-                <c:pt idx="281">
-                  <c:v>-5.6412399999999998</c:v>
-                </c:pt>
-                <c:pt idx="282">
-                  <c:v>-0.89946999999999999</c:v>
-                </c:pt>
-                <c:pt idx="283">
-                  <c:v>-2.6831999999999998</c:v>
-                </c:pt>
-                <c:pt idx="284">
-                  <c:v>-0.49539</c:v>
-                </c:pt>
-                <c:pt idx="285">
-                  <c:v>1.2457400000000001</c:v>
-                </c:pt>
-                <c:pt idx="286">
-                  <c:v>5.2920199999999999</c:v>
-                </c:pt>
-                <c:pt idx="287">
-                  <c:v>9.7949000000000002</c:v>
-                </c:pt>
-                <c:pt idx="288">
-                  <c:v>12.321680000000001</c:v>
-                </c:pt>
-                <c:pt idx="289">
-                  <c:v>-2.94842</c:v>
-                </c:pt>
-                <c:pt idx="290">
-                  <c:v>0.73994000000000004</c:v>
-                </c:pt>
-                <c:pt idx="291">
-                  <c:v>8.3882499999999993</c:v>
-                </c:pt>
-                <c:pt idx="292">
-                  <c:v>-4.6507500000000004</c:v>
-                </c:pt>
-                <c:pt idx="293">
-                  <c:v>-3.7317300000000002</c:v>
-                </c:pt>
-                <c:pt idx="294">
-                  <c:v>-0.74180000000000001</c:v>
-                </c:pt>
-                <c:pt idx="295">
-                  <c:v>-4.7939699999999998</c:v>
-                </c:pt>
-                <c:pt idx="296">
-                  <c:v>-1.5251999999999999</c:v>
-                </c:pt>
-                <c:pt idx="297">
-                  <c:v>-3.3376199999999998</c:v>
-                </c:pt>
-                <c:pt idx="298">
-                  <c:v>-8.6149199999999997</c:v>
-                </c:pt>
-                <c:pt idx="299">
-                  <c:v>-6.94123</c:v>
-                </c:pt>
-                <c:pt idx="300">
-                  <c:v>-6.0803599999999998</c:v>
-                </c:pt>
-                <c:pt idx="301">
-                  <c:v>-1.6843399999999999</c:v>
-                </c:pt>
-                <c:pt idx="302">
-                  <c:v>5.4792800000000002</c:v>
-                </c:pt>
-                <c:pt idx="303">
-                  <c:v>-5.9922000000000004</c:v>
-                </c:pt>
-                <c:pt idx="304">
-                  <c:v>-4.3751800000000003</c:v>
-                </c:pt>
-                <c:pt idx="305">
-                  <c:v>-4.2183900000000003</c:v>
-                </c:pt>
-                <c:pt idx="306">
-                  <c:v>2.7299899999999999</c:v>
-                </c:pt>
-                <c:pt idx="307">
-                  <c:v>0.25239</c:v>
-                </c:pt>
-                <c:pt idx="308">
-                  <c:v>-4.85358</c:v>
-                </c:pt>
-                <c:pt idx="309">
-                  <c:v>-4.4274300000000002</c:v>
-                </c:pt>
-                <c:pt idx="310">
-                  <c:v>-2.1154700000000002</c:v>
-                </c:pt>
-                <c:pt idx="311">
-                  <c:v>-3.89263</c:v>
-                </c:pt>
-                <c:pt idx="312">
-                  <c:v>-0.42044999999999999</c:v>
-                </c:pt>
-                <c:pt idx="313">
-                  <c:v>-3.3171300000000001</c:v>
-                </c:pt>
-                <c:pt idx="314">
-                  <c:v>0.65812000000000004</c:v>
-                </c:pt>
-                <c:pt idx="315">
-                  <c:v>12.02333</c:v>
-                </c:pt>
-                <c:pt idx="316">
-                  <c:v>1.52616</c:v>
-                </c:pt>
-                <c:pt idx="317">
-                  <c:v>-4.0181899999999997</c:v>
-                </c:pt>
-                <c:pt idx="318">
-                  <c:v>-1.36226</c:v>
-                </c:pt>
-                <c:pt idx="319">
-                  <c:v>-3.0516000000000001</c:v>
-                </c:pt>
-                <c:pt idx="320">
-                  <c:v>-3.7134900000000002</c:v>
-                </c:pt>
-                <c:pt idx="321">
-                  <c:v>-5.13002</c:v>
-                </c:pt>
-                <c:pt idx="322">
-                  <c:v>-4.5116399999999999</c:v>
-                </c:pt>
-                <c:pt idx="323">
-                  <c:v>1.47814</c:v>
-                </c:pt>
-                <c:pt idx="324">
-                  <c:v>8.7566900000000008</c:v>
-                </c:pt>
-                <c:pt idx="325">
-                  <c:v>-2.9604599999999999</c:v>
-                </c:pt>
-                <c:pt idx="326">
-                  <c:v>-3.4674999999999998</c:v>
-                </c:pt>
-                <c:pt idx="327">
-                  <c:v>-3.7895400000000001</c:v>
-                </c:pt>
-                <c:pt idx="328">
-                  <c:v>-4.633</c:v>
-                </c:pt>
-                <c:pt idx="329">
-                  <c:v>-7.7126099999999997</c:v>
-                </c:pt>
-                <c:pt idx="330">
-                  <c:v>-4.18621</c:v>
-                </c:pt>
-                <c:pt idx="331">
-                  <c:v>-3.23597</c:v>
-                </c:pt>
-                <c:pt idx="332">
-                  <c:v>1.77122</c:v>
-                </c:pt>
-                <c:pt idx="333">
-                  <c:v>-1.02427</c:v>
-                </c:pt>
-                <c:pt idx="334">
-                  <c:v>-1.1814800000000001</c:v>
-                </c:pt>
-                <c:pt idx="335">
-                  <c:v>-0.48204000000000002</c:v>
-                </c:pt>
-                <c:pt idx="336">
-                  <c:v>-4.9854099999999999</c:v>
-                </c:pt>
-                <c:pt idx="337">
-                  <c:v>2.8895499999999998</c:v>
-                </c:pt>
-                <c:pt idx="338">
-                  <c:v>1.1033900000000001</c:v>
-                </c:pt>
-                <c:pt idx="339">
-                  <c:v>-6.4477099999999998</c:v>
-                </c:pt>
-                <c:pt idx="340">
-                  <c:v>-7.8278800000000004</c:v>
-                </c:pt>
-                <c:pt idx="341">
-                  <c:v>-7.8891600000000004</c:v>
-                </c:pt>
-                <c:pt idx="342">
-                  <c:v>-12.76417</c:v>
-                </c:pt>
-                <c:pt idx="343">
-                  <c:v>-7.9797799999999999</c:v>
-                </c:pt>
-                <c:pt idx="344">
-                  <c:v>-11.42867</c:v>
-                </c:pt>
-                <c:pt idx="345">
-                  <c:v>-12.91553</c:v>
-                </c:pt>
-                <c:pt idx="346">
-                  <c:v>-9.6744400000000006</c:v>
-                </c:pt>
-                <c:pt idx="347">
-                  <c:v>-8.6019400000000008</c:v>
-                </c:pt>
-                <c:pt idx="348">
-                  <c:v>-9.1131200000000003</c:v>
-                </c:pt>
-                <c:pt idx="349">
-                  <c:v>-2.9001399999999999</c:v>
-                </c:pt>
-                <c:pt idx="350">
-                  <c:v>-2.3036400000000001</c:v>
-                </c:pt>
-                <c:pt idx="351">
-                  <c:v>-5.48698</c:v>
-                </c:pt>
-                <c:pt idx="352">
-                  <c:v>-0.81254000000000004</c:v>
-                </c:pt>
-                <c:pt idx="353">
-                  <c:v>-0.93632000000000004</c:v>
-                </c:pt>
-                <c:pt idx="354">
-                  <c:v>-7.3739999999999997</c:v>
-                </c:pt>
-                <c:pt idx="355">
-                  <c:v>-2.6695799999999998</c:v>
-                </c:pt>
-                <c:pt idx="356">
-                  <c:v>-8.98874</c:v>
-                </c:pt>
-                <c:pt idx="357">
-                  <c:v>-16.324210000000001</c:v>
-                </c:pt>
-                <c:pt idx="358">
-                  <c:v>-16.820820000000001</c:v>
-                </c:pt>
-                <c:pt idx="359">
-                  <c:v>-12.609730000000001</c:v>
-                </c:pt>
-                <c:pt idx="360">
-                  <c:v>-2.2584200000000001</c:v>
-                </c:pt>
-                <c:pt idx="361">
-                  <c:v>-8.3209900000000001</c:v>
-                </c:pt>
-                <c:pt idx="362">
-                  <c:v>-15.511990000000001</c:v>
-                </c:pt>
-                <c:pt idx="363">
-                  <c:v>-11.324070000000001</c:v>
-                </c:pt>
-                <c:pt idx="364">
-                  <c:v>-18.18975</c:v>
-                </c:pt>
-                <c:pt idx="365">
-                  <c:v>-19.607849999999999</c:v>
-                </c:pt>
-                <c:pt idx="366">
-                  <c:v>-15.34159</c:v>
-                </c:pt>
-                <c:pt idx="367">
-                  <c:v>-8.8428599999999999</c:v>
-                </c:pt>
-                <c:pt idx="368">
-                  <c:v>-16.079740000000001</c:v>
-                </c:pt>
-                <c:pt idx="369">
-                  <c:v>-17.494389999999999</c:v>
-                </c:pt>
-                <c:pt idx="370">
-                  <c:v>-16.370059999999999</c:v>
-                </c:pt>
-                <c:pt idx="371">
-                  <c:v>-14.31437</c:v>
-                </c:pt>
-                <c:pt idx="372">
-                  <c:v>-11.10187</c:v>
-                </c:pt>
-                <c:pt idx="373">
-                  <c:v>-14.193669999999999</c:v>
-                </c:pt>
-                <c:pt idx="374">
-                  <c:v>-11.893700000000001</c:v>
-                </c:pt>
-                <c:pt idx="375">
-                  <c:v>-14.011469999999999</c:v>
-                </c:pt>
-                <c:pt idx="376">
-                  <c:v>-12.66907</c:v>
-                </c:pt>
-                <c:pt idx="377">
-                  <c:v>-12.332420000000001</c:v>
-                </c:pt>
-                <c:pt idx="378">
-                  <c:v>-20.528780000000001</c:v>
-                </c:pt>
-                <c:pt idx="379">
-                  <c:v>-15.23277</c:v>
-                </c:pt>
-                <c:pt idx="380">
-                  <c:v>-14.72756</c:v>
-                </c:pt>
-                <c:pt idx="381">
-                  <c:v>-14.73166</c:v>
-                </c:pt>
-                <c:pt idx="382">
-                  <c:v>-16.158840000000001</c:v>
-                </c:pt>
-                <c:pt idx="383">
-                  <c:v>-16.933900000000001</c:v>
-                </c:pt>
-                <c:pt idx="384">
-                  <c:v>-16.67221</c:v>
-                </c:pt>
-                <c:pt idx="385">
-                  <c:v>-15.986039999999999</c:v>
-                </c:pt>
-                <c:pt idx="386">
-                  <c:v>-17.26229</c:v>
-                </c:pt>
-                <c:pt idx="387">
-                  <c:v>-15.33146</c:v>
-                </c:pt>
-                <c:pt idx="388">
-                  <c:v>-14.10322</c:v>
-                </c:pt>
-                <c:pt idx="389">
-                  <c:v>-13.334350000000001</c:v>
-                </c:pt>
-                <c:pt idx="390">
-                  <c:v>-6.6147600000000004</c:v>
-                </c:pt>
-                <c:pt idx="391">
-                  <c:v>-10.57813</c:v>
-                </c:pt>
-                <c:pt idx="392">
-                  <c:v>-11.74963</c:v>
-                </c:pt>
-              </c:numCache>
-            </c:numRef>
-          </c:val>
-          <c:smooth val="0"/>
-          <c:extLst>
-            <c:ext xmlns:c16="http://schemas.microsoft.com/office/drawing/2014/chart" uri="{C3380CC4-5D6E-409C-BE32-E72D297353CC}">
-              <c16:uniqueId val="{00000000-CC30-FF4C-8731-833206ADAB0D}"/>
-            </c:ext>
-          </c:extLst>
-        </c:ser>
-        <c:dLbls>
-          <c:showLegendKey val="0"/>
-          <c:showVal val="0"/>
-          <c:showCatName val="0"/>
-          <c:showSerName val="0"/>
-          <c:showPercent val="0"/>
-          <c:showBubbleSize val="0"/>
-        </c:dLbls>
-        <c:smooth val="0"/>
-        <c:axId val="1768656304"/>
-        <c:axId val="1768658016"/>
-      </c:lineChart>
-      <c:catAx>
-        <c:axId val="1768656304"/>
-        <c:scaling>
-          <c:orientation val="minMax"/>
-        </c:scaling>
-        <c:delete val="0"/>
-        <c:axPos val="b"/>
-        <c:majorGridlines>
-          <c:spPr>
-            <a:ln w="9525" cap="flat" cmpd="sng" algn="ctr">
-              <a:solidFill>
-                <a:schemeClr val="tx1">
-                  <a:lumMod val="15000"/>
-                  <a:lumOff val="85000"/>
-                </a:schemeClr>
-              </a:solidFill>
-              <a:round/>
-            </a:ln>
-            <a:effectLst/>
-          </c:spPr>
-        </c:majorGridlines>
-        <c:numFmt formatCode="0.00000" sourceLinked="1"/>
-        <c:majorTickMark val="none"/>
-        <c:minorTickMark val="none"/>
-        <c:tickLblPos val="nextTo"/>
-        <c:spPr>
-          <a:noFill/>
-          <a:ln w="9525" cap="flat" cmpd="sng" algn="ctr">
-            <a:solidFill>
-              <a:schemeClr val="tx1">
-                <a:lumMod val="25000"/>
-                <a:lumOff val="75000"/>
-              </a:schemeClr>
-            </a:solidFill>
-            <a:round/>
-          </a:ln>
-          <a:effectLst/>
-        </c:spPr>
-        <c:txPr>
-          <a:bodyPr rot="-60000000" spcFirstLastPara="1" vertOverflow="ellipsis" vert="horz" wrap="square" anchor="ctr" anchorCtr="1"/>
-          <a:lstStyle/>
-          <a:p>
-            <a:pPr>
-              <a:defRPr sz="900" b="0" i="0" u="none" strike="noStrike" kern="1200" baseline="0">
-                <a:solidFill>
-                  <a:schemeClr val="tx1">
-                    <a:lumMod val="65000"/>
-                    <a:lumOff val="35000"/>
-                  </a:schemeClr>
-                </a:solidFill>
-                <a:latin typeface="+mn-lt"/>
-                <a:ea typeface="+mn-ea"/>
-                <a:cs typeface="+mn-cs"/>
-              </a:defRPr>
-            </a:pPr>
-            <a:endParaRPr lang="en-DK"/>
-          </a:p>
-        </c:txPr>
-        <c:crossAx val="1768658016"/>
-        <c:crosses val="autoZero"/>
-        <c:auto val="1"/>
-        <c:lblAlgn val="ctr"/>
-        <c:lblOffset val="100"/>
-        <c:noMultiLvlLbl val="0"/>
-      </c:catAx>
-      <c:valAx>
-        <c:axId val="1768658016"/>
-        <c:scaling>
-          <c:orientation val="minMax"/>
-        </c:scaling>
-        <c:delete val="0"/>
-        <c:axPos val="l"/>
-        <c:majorGridlines>
-          <c:spPr>
-            <a:ln w="9525" cap="flat" cmpd="sng" algn="ctr">
-              <a:solidFill>
-                <a:schemeClr val="tx1">
-                  <a:lumMod val="15000"/>
-                  <a:lumOff val="85000"/>
-                </a:schemeClr>
-              </a:solidFill>
-              <a:round/>
-            </a:ln>
-            <a:effectLst/>
-          </c:spPr>
-        </c:majorGridlines>
-        <c:numFmt formatCode="0.00000" sourceLinked="1"/>
-        <c:majorTickMark val="none"/>
-        <c:minorTickMark val="none"/>
-        <c:tickLblPos val="nextTo"/>
-        <c:spPr>
-          <a:noFill/>
-          <a:ln w="9525" cap="flat" cmpd="sng" algn="ctr">
-            <a:solidFill>
-              <a:schemeClr val="tx1">
-                <a:lumMod val="25000"/>
-                <a:lumOff val="75000"/>
-              </a:schemeClr>
-            </a:solidFill>
-            <a:round/>
-          </a:ln>
-          <a:effectLst/>
-        </c:spPr>
-        <c:txPr>
-          <a:bodyPr rot="-60000000" spcFirstLastPara="1" vertOverflow="ellipsis" vert="horz" wrap="square" anchor="ctr" anchorCtr="1"/>
-          <a:lstStyle/>
-          <a:p>
-            <a:pPr>
-              <a:defRPr sz="900" b="0" i="0" u="none" strike="noStrike" kern="1200" baseline="0">
-                <a:solidFill>
-                  <a:schemeClr val="tx1">
-                    <a:lumMod val="65000"/>
-                    <a:lumOff val="35000"/>
-                  </a:schemeClr>
-                </a:solidFill>
-                <a:latin typeface="+mn-lt"/>
-                <a:ea typeface="+mn-ea"/>
-                <a:cs typeface="+mn-cs"/>
-              </a:defRPr>
-            </a:pPr>
-            <a:endParaRPr lang="en-DK"/>
-          </a:p>
-        </c:txPr>
-        <c:crossAx val="1768656304"/>
-        <c:crosses val="autoZero"/>
-        <c:crossBetween val="between"/>
-      </c:valAx>
-      <c:spPr>
-        <a:noFill/>
-        <a:ln>
-          <a:noFill/>
-        </a:ln>
-        <a:effectLst/>
-      </c:spPr>
-    </c:plotArea>
-    <c:plotVisOnly val="1"/>
-    <c:dispBlanksAs val="gap"/>
-    <c:showDLblsOverMax val="0"/>
-    <c:extLst>
-      <c:ext xmlns:c16r3="http://schemas.microsoft.com/office/drawing/2017/03/chart" uri="{56B9EC1D-385E-4148-901F-78D8002777C0}">
-        <c16r3:dataDisplayOptions16>
-          <c16r3:dispNaAsBlank val="1"/>
-        </c16r3:dataDisplayOptions16>
-      </c:ext>
-    </c:extLst>
-  </c:chart>
-  <c:spPr>
-    <a:noFill/>
-    <a:ln>
-      <a:noFill/>
-    </a:ln>
-    <a:effectLst/>
-  </c:spPr>
-  <c:txPr>
-    <a:bodyPr/>
-    <a:lstStyle/>
-    <a:p>
-      <a:pPr>
-        <a:defRPr/>
-      </a:pPr>
-      <a:endParaRPr lang="en-DK"/>
-    </a:p>
-  </c:txPr>
-  <c:externalData r:id="rId3">
-    <c:autoUpdate val="0"/>
-  </c:externalData>
-</c:chartSpace>
-</file>
-
-<file path=ppt/charts/colors1.xml><?xml version="1.0" encoding="utf-8"?>
-<cs:colorStyle xmlns:cs="http://schemas.microsoft.com/office/drawing/2012/chartStyle" xmlns:a="http://schemas.openxmlformats.org/drawingml/2006/main" meth="cycle" id="10">
-  <a:schemeClr val="accent1"/>
-  <a:schemeClr val="accent2"/>
-  <a:schemeClr val="accent3"/>
-  <a:schemeClr val="accent4"/>
-  <a:schemeClr val="accent5"/>
-  <a:schemeClr val="accent6"/>
-  <cs:variation/>
-  <cs:variation>
-    <a:lumMod val="60000"/>
-  </cs:variation>
-  <cs:variation>
-    <a:lumMod val="80000"/>
-    <a:lumOff val="20000"/>
-  </cs:variation>
-  <cs:variation>
-    <a:lumMod val="80000"/>
-  </cs:variation>
-  <cs:variation>
-    <a:lumMod val="60000"/>
-    <a:lumOff val="40000"/>
-  </cs:variation>
-  <cs:variation>
-    <a:lumMod val="50000"/>
-  </cs:variation>
-  <cs:variation>
-    <a:lumMod val="70000"/>
-    <a:lumOff val="30000"/>
-  </cs:variation>
-  <cs:variation>
-    <a:lumMod val="70000"/>
-  </cs:variation>
-  <cs:variation>
-    <a:lumMod val="50000"/>
-    <a:lumOff val="50000"/>
-  </cs:variation>
-</cs:colorStyle>
-</file>
-
-<file path=ppt/charts/style1.xml><?xml version="1.0" encoding="utf-8"?>
-<cs:chartStyle xmlns:cs="http://schemas.microsoft.com/office/drawing/2012/chartStyle" xmlns:a="http://schemas.openxmlformats.org/drawingml/2006/main" id="240">
-  <cs:axisTitle>
-    <cs:lnRef idx="0"/>
-    <cs:fillRef idx="0"/>
-    <cs:effectRef idx="0"/>
-    <cs:fontRef idx="minor">
-      <a:schemeClr val="tx1">
-        <a:lumMod val="65000"/>
-        <a:lumOff val="35000"/>
-      </a:schemeClr>
-    </cs:fontRef>
-    <cs:defRPr sz="1000" kern="1200"/>
-  </cs:axisTitle>
-  <cs:categoryAxis>
-    <cs:lnRef idx="0"/>
-    <cs:fillRef idx="0"/>
-    <cs:effectRef idx="0"/>
-    <cs:fontRef idx="minor">
-      <a:schemeClr val="tx1">
-        <a:lumMod val="65000"/>
-        <a:lumOff val="35000"/>
-      </a:schemeClr>
-    </cs:fontRef>
-    <cs:spPr>
-      <a:ln w="9525" cap="flat" cmpd="sng" algn="ctr">
-        <a:solidFill>
-          <a:schemeClr val="tx1">
-            <a:lumMod val="25000"/>
-            <a:lumOff val="75000"/>
-          </a:schemeClr>
-        </a:solidFill>
-        <a:round/>
-      </a:ln>
-    </cs:spPr>
-    <cs:defRPr sz="900" kern="1200"/>
-  </cs:categoryAxis>
-  <cs:chartArea mods="allowNoFillOverride allowNoLineOverride">
-    <cs:lnRef idx="0"/>
-    <cs:fillRef idx="0"/>
-    <cs:effectRef idx="0"/>
-    <cs:fontRef idx="minor">
-      <a:schemeClr val="tx1"/>
-    </cs:fontRef>
-    <cs:spPr>
-      <a:solidFill>
-        <a:schemeClr val="bg1"/>
-      </a:solidFill>
-      <a:ln w="9525" cap="flat" cmpd="sng" algn="ctr">
-        <a:solidFill>
-          <a:schemeClr val="tx1">
-            <a:lumMod val="15000"/>
-            <a:lumOff val="85000"/>
-          </a:schemeClr>
-        </a:solidFill>
-        <a:round/>
-      </a:ln>
-    </cs:spPr>
-    <cs:defRPr sz="1000" kern="1200"/>
-  </cs:chartArea>
-  <cs:dataLabel>
-    <cs:lnRef idx="0"/>
-    <cs:fillRef idx="0"/>
-    <cs:effectRef idx="0"/>
-    <cs:fontRef idx="minor">
-      <a:schemeClr val="tx1">
-        <a:lumMod val="75000"/>
-        <a:lumOff val="25000"/>
-      </a:schemeClr>
-    </cs:fontRef>
-    <cs:defRPr sz="900" kern="1200"/>
-  </cs:dataLabel>
-  <cs:dataLabelCallout>
-    <cs:lnRef idx="0"/>
-    <cs:fillRef idx="0"/>
-    <cs:effectRef idx="0"/>
-    <cs:fontRef idx="minor">
-      <a:schemeClr val="dk1">
-        <a:lumMod val="65000"/>
-        <a:lumOff val="35000"/>
-      </a:schemeClr>
-    </cs:fontRef>
-    <cs:spPr>
-      <a:solidFill>
-        <a:schemeClr val="lt1"/>
-      </a:solidFill>
-      <a:ln>
-        <a:solidFill>
-          <a:schemeClr val="dk1">
-            <a:lumMod val="25000"/>
-            <a:lumOff val="75000"/>
-          </a:schemeClr>
-        </a:solidFill>
-      </a:ln>
-    </cs:spPr>
-    <cs:defRPr sz="900" kern="1200"/>
-    <cs:bodyPr rot="0" spcFirstLastPara="1" vertOverflow="clip" horzOverflow="clip" vert="horz" wrap="square" lIns="36576" tIns="18288" rIns="36576" bIns="18288" anchor="ctr" anchorCtr="1">
-      <a:spAutoFit/>
-    </cs:bodyPr>
-  </cs:dataLabelCallout>
-  <cs:dataPoint>
-    <cs:lnRef idx="0"/>
-    <cs:fillRef idx="1">
-      <cs:styleClr val="auto"/>
-    </cs:fillRef>
-    <cs:effectRef idx="0"/>
-    <cs:fontRef idx="minor">
-      <a:schemeClr val="tx1"/>
-    </cs:fontRef>
-  </cs:dataPoint>
-  <cs:dataPoint3D>
-    <cs:lnRef idx="0"/>
-    <cs:fillRef idx="1">
-      <cs:styleClr val="auto"/>
-    </cs:fillRef>
-    <cs:effectRef idx="0"/>
-    <cs:fontRef idx="minor">
-      <a:schemeClr val="tx1"/>
-    </cs:fontRef>
-  </cs:dataPoint3D>
-  <cs:dataPointLine>
-    <cs:lnRef idx="0">
-      <cs:styleClr val="auto"/>
-    </cs:lnRef>
-    <cs:fillRef idx="1"/>
-    <cs:effectRef idx="0"/>
-    <cs:fontRef idx="minor">
-      <a:schemeClr val="tx1"/>
-    </cs:fontRef>
-    <cs:spPr>
-      <a:ln w="19050" cap="rnd">
-        <a:solidFill>
-          <a:schemeClr val="phClr"/>
-        </a:solidFill>
-        <a:round/>
-      </a:ln>
-    </cs:spPr>
-  </cs:dataPointLine>
-  <cs:dataPointMarker>
-    <cs:lnRef idx="0">
-      <cs:styleClr val="auto"/>
-    </cs:lnRef>
-    <cs:fillRef idx="1">
-      <cs:styleClr val="auto"/>
-    </cs:fillRef>
-    <cs:effectRef idx="0"/>
-    <cs:fontRef idx="minor">
-      <a:schemeClr val="tx1"/>
-    </cs:fontRef>
-    <cs:spPr>
-      <a:ln w="9525">
-        <a:solidFill>
-          <a:schemeClr val="phClr"/>
-        </a:solidFill>
-      </a:ln>
-    </cs:spPr>
-  </cs:dataPointMarker>
-  <cs:dataPointMarkerLayout symbol="circle" size="5"/>
-  <cs:dataPointWireframe>
-    <cs:lnRef idx="0">
-      <cs:styleClr val="auto"/>
-    </cs:lnRef>
-    <cs:fillRef idx="0"/>
-    <cs:effectRef idx="0"/>
-    <cs:fontRef idx="minor">
-      <a:schemeClr val="dk1"/>
-    </cs:fontRef>
-    <cs:spPr>
-      <a:ln w="9525" cap="rnd">
-        <a:solidFill>
-          <a:schemeClr val="phClr"/>
-        </a:solidFill>
-        <a:round/>
-      </a:ln>
-    </cs:spPr>
-  </cs:dataPointWireframe>
-  <cs:dataTable>
-    <cs:lnRef idx="0"/>
-    <cs:fillRef idx="0"/>
-    <cs:effectRef idx="0"/>
-    <cs:fontRef idx="minor">
-      <a:schemeClr val="tx1">
-        <a:lumMod val="65000"/>
-        <a:lumOff val="35000"/>
-      </a:schemeClr>
-    </cs:fontRef>
-    <cs:spPr>
-      <a:noFill/>
-      <a:ln w="9525" cap="flat" cmpd="sng" algn="ctr">
-        <a:solidFill>
-          <a:schemeClr val="tx1">
-            <a:lumMod val="15000"/>
-            <a:lumOff val="85000"/>
-          </a:schemeClr>
-        </a:solidFill>
-        <a:round/>
-      </a:ln>
-    </cs:spPr>
-    <cs:defRPr sz="900" kern="1200"/>
-  </cs:dataTable>
-  <cs:downBar>
-    <cs:lnRef idx="0"/>
-    <cs:fillRef idx="0"/>
-    <cs:effectRef idx="0"/>
-    <cs:fontRef idx="minor">
-      <a:schemeClr val="tx1"/>
-    </cs:fontRef>
-    <cs:spPr>
-      <a:solidFill>
-        <a:schemeClr val="dk1">
-          <a:lumMod val="75000"/>
-          <a:lumOff val="25000"/>
-        </a:schemeClr>
-      </a:solidFill>
-      <a:ln w="9525" cap="flat" cmpd="sng" algn="ctr">
-        <a:solidFill>
-          <a:schemeClr val="tx1">
-            <a:lumMod val="65000"/>
-            <a:lumOff val="35000"/>
-          </a:schemeClr>
-        </a:solidFill>
-        <a:round/>
-      </a:ln>
-    </cs:spPr>
-  </cs:downBar>
-  <cs:dropLine>
-    <cs:lnRef idx="0"/>
-    <cs:fillRef idx="0"/>
-    <cs:effectRef idx="0"/>
-    <cs:fontRef idx="minor">
-      <a:schemeClr val="tx1"/>
-    </cs:fontRef>
-    <cs:spPr>
-      <a:ln w="9525" cap="flat" cmpd="sng" algn="ctr">
-        <a:solidFill>
-          <a:schemeClr val="tx1">
-            <a:lumMod val="35000"/>
-            <a:lumOff val="65000"/>
-          </a:schemeClr>
-        </a:solidFill>
-        <a:round/>
-      </a:ln>
-    </cs:spPr>
-  </cs:dropLine>
-  <cs:errorBar>
-    <cs:lnRef idx="0"/>
-    <cs:fillRef idx="0"/>
-    <cs:effectRef idx="0"/>
-    <cs:fontRef idx="minor">
-      <a:schemeClr val="tx1"/>
-    </cs:fontRef>
-    <cs:spPr>
-      <a:ln w="9525" cap="flat" cmpd="sng" algn="ctr">
-        <a:solidFill>
-          <a:schemeClr val="tx1">
-            <a:lumMod val="65000"/>
-            <a:lumOff val="35000"/>
-          </a:schemeClr>
-        </a:solidFill>
-        <a:round/>
-      </a:ln>
-    </cs:spPr>
-  </cs:errorBar>
-  <cs:floor>
-    <cs:lnRef idx="0"/>
-    <cs:fillRef idx="0"/>
-    <cs:effectRef idx="0"/>
-    <cs:fontRef idx="minor">
-      <a:schemeClr val="tx1"/>
-    </cs:fontRef>
-    <cs:spPr>
-      <a:noFill/>
-      <a:ln>
-        <a:noFill/>
-      </a:ln>
-    </cs:spPr>
-  </cs:floor>
-  <cs:gridlineMajor>
-    <cs:lnRef idx="0"/>
-    <cs:fillRef idx="0"/>
-    <cs:effectRef idx="0"/>
-    <cs:fontRef idx="minor">
-      <a:schemeClr val="tx1"/>
-    </cs:fontRef>
-    <cs:spPr>
-      <a:ln w="9525" cap="flat" cmpd="sng" algn="ctr">
-        <a:solidFill>
-          <a:schemeClr val="tx1">
-            <a:lumMod val="15000"/>
-            <a:lumOff val="85000"/>
-          </a:schemeClr>
-        </a:solidFill>
-        <a:round/>
-      </a:ln>
-    </cs:spPr>
-  </cs:gridlineMajor>
-  <cs:gridlineMinor>
-    <cs:lnRef idx="0"/>
-    <cs:fillRef idx="0"/>
-    <cs:effectRef idx="0"/>
-    <cs:fontRef idx="minor">
-      <a:schemeClr val="tx1"/>
-    </cs:fontRef>
-    <cs:spPr>
-      <a:ln w="9525" cap="flat" cmpd="sng" algn="ctr">
-        <a:solidFill>
-          <a:schemeClr val="tx1">
-            <a:lumMod val="5000"/>
-            <a:lumOff val="95000"/>
-          </a:schemeClr>
-        </a:solidFill>
-        <a:round/>
-      </a:ln>
-    </cs:spPr>
-  </cs:gridlineMinor>
-  <cs:hiLoLine>
-    <cs:lnRef idx="0"/>
-    <cs:fillRef idx="0"/>
-    <cs:effectRef idx="0"/>
-    <cs:fontRef idx="minor">
-      <a:schemeClr val="tx1"/>
-    </cs:fontRef>
-    <cs:spPr>
-      <a:ln w="9525" cap="flat" cmpd="sng" algn="ctr">
-        <a:solidFill>
-          <a:schemeClr val="tx1">
-            <a:lumMod val="50000"/>
-            <a:lumOff val="50000"/>
-          </a:schemeClr>
-        </a:solidFill>
-        <a:round/>
-      </a:ln>
-    </cs:spPr>
-  </cs:hiLoLine>
-  <cs:leaderLine>
-    <cs:lnRef idx="0"/>
-    <cs:fillRef idx="0"/>
-    <cs:effectRef idx="0"/>
-    <cs:fontRef idx="minor">
-      <a:schemeClr val="tx1"/>
-    </cs:fontRef>
-    <cs:spPr>
-      <a:ln w="9525" cap="flat" cmpd="sng" algn="ctr">
-        <a:solidFill>
-          <a:schemeClr val="tx1">
-            <a:lumMod val="35000"/>
-            <a:lumOff val="65000"/>
-          </a:schemeClr>
-        </a:solidFill>
-        <a:round/>
-      </a:ln>
-    </cs:spPr>
-  </cs:leaderLine>
-  <cs:legend>
-    <cs:lnRef idx="0"/>
-    <cs:fillRef idx="0"/>
-    <cs:effectRef idx="0"/>
-    <cs:fontRef idx="minor">
-      <a:schemeClr val="tx1">
-        <a:lumMod val="65000"/>
-        <a:lumOff val="35000"/>
-      </a:schemeClr>
-    </cs:fontRef>
-    <cs:defRPr sz="900" kern="1200"/>
-  </cs:legend>
-  <cs:plotArea mods="allowNoFillOverride allowNoLineOverride">
-    <cs:lnRef idx="0"/>
-    <cs:fillRef idx="0"/>
-    <cs:effectRef idx="0"/>
-    <cs:fontRef idx="minor">
-      <a:schemeClr val="tx1"/>
-    </cs:fontRef>
-  </cs:plotArea>
-  <cs:plotArea3D mods="allowNoFillOverride allowNoLineOverride">
-    <cs:lnRef idx="0"/>
-    <cs:fillRef idx="0"/>
-    <cs:effectRef idx="0"/>
-    <cs:fontRef idx="minor">
-      <a:schemeClr val="tx1"/>
-    </cs:fontRef>
-  </cs:plotArea3D>
-  <cs:seriesAxis>
-    <cs:lnRef idx="0"/>
-    <cs:fillRef idx="0"/>
-    <cs:effectRef idx="0"/>
-    <cs:fontRef idx="minor">
-      <a:schemeClr val="tx1">
-        <a:lumMod val="65000"/>
-        <a:lumOff val="35000"/>
-      </a:schemeClr>
-    </cs:fontRef>
-    <cs:defRPr sz="900" kern="1200"/>
-  </cs:seriesAxis>
-  <cs:seriesLine>
-    <cs:lnRef idx="0"/>
-    <cs:fillRef idx="0"/>
-    <cs:effectRef idx="0"/>
-    <cs:fontRef idx="minor">
-      <a:schemeClr val="tx1"/>
-    </cs:fontRef>
-    <cs:spPr>
-      <a:ln w="9525" cap="flat" cmpd="sng" algn="ctr">
-        <a:solidFill>
-          <a:schemeClr val="tx1">
-            <a:lumMod val="35000"/>
-            <a:lumOff val="65000"/>
-          </a:schemeClr>
-        </a:solidFill>
-        <a:round/>
-      </a:ln>
-    </cs:spPr>
-  </cs:seriesLine>
-  <cs:title>
-    <cs:lnRef idx="0"/>
-    <cs:fillRef idx="0"/>
-    <cs:effectRef idx="0"/>
-    <cs:fontRef idx="minor">
-      <a:schemeClr val="tx1">
-        <a:lumMod val="65000"/>
-        <a:lumOff val="35000"/>
-      </a:schemeClr>
-    </cs:fontRef>
-    <cs:defRPr sz="1400" b="0" kern="1200" spc="0" baseline="0"/>
-  </cs:title>
-  <cs:trendline>
-    <cs:lnRef idx="0">
-      <cs:styleClr val="auto"/>
-    </cs:lnRef>
-    <cs:fillRef idx="0"/>
-    <cs:effectRef idx="0"/>
-    <cs:fontRef idx="minor">
-      <a:schemeClr val="tx1"/>
-    </cs:fontRef>
-    <cs:spPr>
-      <a:ln w="19050" cap="rnd">
-        <a:solidFill>
-          <a:schemeClr val="phClr"/>
-        </a:solidFill>
-        <a:prstDash val="sysDot"/>
-      </a:ln>
-    </cs:spPr>
-  </cs:trendline>
-  <cs:trendlineLabel>
-    <cs:lnRef idx="0"/>
-    <cs:fillRef idx="0"/>
-    <cs:effectRef idx="0"/>
-    <cs:fontRef idx="minor">
-      <a:schemeClr val="tx1">
-        <a:lumMod val="65000"/>
-        <a:lumOff val="35000"/>
-      </a:schemeClr>
-    </cs:fontRef>
-    <cs:defRPr sz="900" kern="1200"/>
-  </cs:trendlineLabel>
-  <cs:upBar>
-    <cs:lnRef idx="0"/>
-    <cs:fillRef idx="0"/>
-    <cs:effectRef idx="0"/>
-    <cs:fontRef idx="minor">
-      <a:schemeClr val="tx1"/>
-    </cs:fontRef>
-    <cs:spPr>
-      <a:solidFill>
-        <a:schemeClr val="lt1"/>
-      </a:solidFill>
-      <a:ln w="9525" cap="flat" cmpd="sng" algn="ctr">
-        <a:solidFill>
-          <a:schemeClr val="tx1">
-            <a:lumMod val="65000"/>
-            <a:lumOff val="35000"/>
-          </a:schemeClr>
-        </a:solidFill>
-        <a:round/>
-      </a:ln>
-    </cs:spPr>
-  </cs:upBar>
-  <cs:valueAxis>
-    <cs:lnRef idx="0"/>
-    <cs:fillRef idx="0"/>
-    <cs:effectRef idx="0"/>
-    <cs:fontRef idx="minor">
-      <a:schemeClr val="tx1">
-        <a:lumMod val="65000"/>
-        <a:lumOff val="35000"/>
-      </a:schemeClr>
-    </cs:fontRef>
-    <cs:spPr>
-      <a:ln w="9525" cap="flat" cmpd="sng" algn="ctr">
-        <a:solidFill>
-          <a:schemeClr val="tx1">
-            <a:lumMod val="25000"/>
-            <a:lumOff val="75000"/>
-          </a:schemeClr>
-        </a:solidFill>
-        <a:round/>
-      </a:ln>
-    </cs:spPr>
-    <cs:defRPr sz="900" kern="1200"/>
-  </cs:valueAxis>
-  <cs:wall>
-    <cs:lnRef idx="0"/>
-    <cs:fillRef idx="0"/>
-    <cs:effectRef idx="0"/>
-    <cs:fontRef idx="minor">
-      <a:schemeClr val="tx1"/>
-    </cs:fontRef>
-    <cs:spPr>
-      <a:noFill/>
-      <a:ln>
-        <a:noFill/>
-      </a:ln>
-    </cs:spPr>
-  </cs:wall>
-</cs:chartStyle>
 </file>
 
 <file path=ppt/slideLayouts/slideLayout1.xml><?xml version="1.0" encoding="utf-8"?>
@@ -3413,7 +265,7 @@
           <a:p>
             <a:fld id="{5857DE64-E65F-7845-BC17-BC66ADD2E323}" type="datetimeFigureOut">
               <a:rPr lang="en-DK" smtClean="0"/>
-              <a:t>01/12/2025</a:t>
+              <a:t>08/12/2025</a:t>
             </a:fld>
             <a:endParaRPr lang="en-DK"/>
           </a:p>
@@ -3613,7 +465,7 @@
           <a:p>
             <a:fld id="{5857DE64-E65F-7845-BC17-BC66ADD2E323}" type="datetimeFigureOut">
               <a:rPr lang="en-DK" smtClean="0"/>
-              <a:t>01/12/2025</a:t>
+              <a:t>08/12/2025</a:t>
             </a:fld>
             <a:endParaRPr lang="en-DK"/>
           </a:p>
@@ -3823,7 +675,7 @@
           <a:p>
             <a:fld id="{5857DE64-E65F-7845-BC17-BC66ADD2E323}" type="datetimeFigureOut">
               <a:rPr lang="en-DK" smtClean="0"/>
-              <a:t>01/12/2025</a:t>
+              <a:t>08/12/2025</a:t>
             </a:fld>
             <a:endParaRPr lang="en-DK"/>
           </a:p>
@@ -4023,7 +875,7 @@
           <a:p>
             <a:fld id="{5857DE64-E65F-7845-BC17-BC66ADD2E323}" type="datetimeFigureOut">
               <a:rPr lang="en-DK" smtClean="0"/>
-              <a:t>01/12/2025</a:t>
+              <a:t>08/12/2025</a:t>
             </a:fld>
             <a:endParaRPr lang="en-DK"/>
           </a:p>
@@ -4299,7 +1151,7 @@
           <a:p>
             <a:fld id="{5857DE64-E65F-7845-BC17-BC66ADD2E323}" type="datetimeFigureOut">
               <a:rPr lang="en-DK" smtClean="0"/>
-              <a:t>01/12/2025</a:t>
+              <a:t>08/12/2025</a:t>
             </a:fld>
             <a:endParaRPr lang="en-DK"/>
           </a:p>
@@ -4567,7 +1419,7 @@
           <a:p>
             <a:fld id="{5857DE64-E65F-7845-BC17-BC66ADD2E323}" type="datetimeFigureOut">
               <a:rPr lang="en-DK" smtClean="0"/>
-              <a:t>01/12/2025</a:t>
+              <a:t>08/12/2025</a:t>
             </a:fld>
             <a:endParaRPr lang="en-DK"/>
           </a:p>
@@ -4982,7 +1834,7 @@
           <a:p>
             <a:fld id="{5857DE64-E65F-7845-BC17-BC66ADD2E323}" type="datetimeFigureOut">
               <a:rPr lang="en-DK" smtClean="0"/>
-              <a:t>01/12/2025</a:t>
+              <a:t>08/12/2025</a:t>
             </a:fld>
             <a:endParaRPr lang="en-DK"/>
           </a:p>
@@ -5124,7 +1976,7 @@
           <a:p>
             <a:fld id="{5857DE64-E65F-7845-BC17-BC66ADD2E323}" type="datetimeFigureOut">
               <a:rPr lang="en-DK" smtClean="0"/>
-              <a:t>01/12/2025</a:t>
+              <a:t>08/12/2025</a:t>
             </a:fld>
             <a:endParaRPr lang="en-DK"/>
           </a:p>
@@ -5237,7 +2089,7 @@
           <a:p>
             <a:fld id="{5857DE64-E65F-7845-BC17-BC66ADD2E323}" type="datetimeFigureOut">
               <a:rPr lang="en-DK" smtClean="0"/>
-              <a:t>01/12/2025</a:t>
+              <a:t>08/12/2025</a:t>
             </a:fld>
             <a:endParaRPr lang="en-DK"/>
           </a:p>
@@ -5550,7 +2402,7 @@
           <a:p>
             <a:fld id="{5857DE64-E65F-7845-BC17-BC66ADD2E323}" type="datetimeFigureOut">
               <a:rPr lang="en-DK" smtClean="0"/>
-              <a:t>01/12/2025</a:t>
+              <a:t>08/12/2025</a:t>
             </a:fld>
             <a:endParaRPr lang="en-DK"/>
           </a:p>
@@ -5839,7 +2691,7 @@
           <a:p>
             <a:fld id="{5857DE64-E65F-7845-BC17-BC66ADD2E323}" type="datetimeFigureOut">
               <a:rPr lang="en-DK" smtClean="0"/>
-              <a:t>01/12/2025</a:t>
+              <a:t>08/12/2025</a:t>
             </a:fld>
             <a:endParaRPr lang="en-DK"/>
           </a:p>
@@ -6082,7 +2934,7 @@
           <a:p>
             <a:fld id="{5857DE64-E65F-7845-BC17-BC66ADD2E323}" type="datetimeFigureOut">
               <a:rPr lang="en-DK" smtClean="0"/>
-              <a:t>01/12/2025</a:t>
+              <a:t>08/12/2025</a:t>
             </a:fld>
             <a:endParaRPr lang="en-DK"/>
           </a:p>
@@ -6485,6 +3337,14 @@
 <file path=ppt/slides/slide1.xml><?xml version="1.0" encoding="utf-8"?>
 <p:sld xmlns:a="http://schemas.openxmlformats.org/drawingml/2006/main" xmlns:r="http://schemas.openxmlformats.org/officeDocument/2006/relationships" xmlns:p="http://schemas.openxmlformats.org/presentationml/2006/main">
   <p:cSld>
+    <p:bg>
+      <p:bgPr>
+        <a:solidFill>
+          <a:schemeClr val="bg1"/>
+        </a:solidFill>
+        <a:effectLst/>
+      </p:bgPr>
+    </p:bg>
     <p:spTree>
       <p:nvGrpSpPr>
         <p:cNvPr id="1" name=""/>
@@ -6499,92 +3359,361 @@
           <a:chExt cx="0" cy="0"/>
         </a:xfrm>
       </p:grpSpPr>
-      <p:sp>
-        <p:nvSpPr>
-          <p:cNvPr id="2" name="Title 1">
-            <a:extLst>
-              <a:ext uri="{FF2B5EF4-FFF2-40B4-BE49-F238E27FC236}">
-                <a16:creationId xmlns:a16="http://schemas.microsoft.com/office/drawing/2014/main" id="{57888B2B-4930-0627-60D9-BE63913770C2}"/>
-              </a:ext>
-            </a:extLst>
-          </p:cNvPr>
-          <p:cNvSpPr>
-            <a:spLocks noGrp="1"/>
-          </p:cNvSpPr>
-          <p:nvPr>
-            <p:ph type="ctrTitle"/>
-          </p:nvPr>
-        </p:nvSpPr>
-        <p:spPr/>
-        <p:txBody>
-          <a:bodyPr/>
-          <a:lstStyle/>
-          <a:p>
-            <a:r>
-              <a:rPr lang="en-DK" dirty="0"/>
-              <a:t>Linear heating ramp experiments are done*</a:t>
-            </a:r>
-          </a:p>
-        </p:txBody>
-      </p:sp>
-      <p:sp>
-        <p:nvSpPr>
-          <p:cNvPr id="3" name="Subtitle 2">
-            <a:extLst>
-              <a:ext uri="{FF2B5EF4-FFF2-40B4-BE49-F238E27FC236}">
-                <a16:creationId xmlns:a16="http://schemas.microsoft.com/office/drawing/2014/main" id="{E5EE1EC6-08FB-0C72-D51E-32384E3D65F2}"/>
-              </a:ext>
-            </a:extLst>
-          </p:cNvPr>
-          <p:cNvSpPr>
-            <a:spLocks noGrp="1"/>
-          </p:cNvSpPr>
-          <p:nvPr>
-            <p:ph type="subTitle" idx="1"/>
-          </p:nvPr>
-        </p:nvSpPr>
-        <p:spPr/>
-        <p:txBody>
-          <a:bodyPr/>
-          <a:lstStyle/>
-          <a:p>
-            <a:r>
-              <a:rPr lang="en-DK" dirty="0"/>
-              <a:t>*BRF 5% O2 failed somehow</a:t>
-            </a:r>
-          </a:p>
-        </p:txBody>
-      </p:sp>
-      <p:graphicFrame>
-        <p:nvGraphicFramePr>
-          <p:cNvPr id="4" name="Chart 3">
-            <a:extLst>
-              <a:ext uri="{FF2B5EF4-FFF2-40B4-BE49-F238E27FC236}">
-                <a16:creationId xmlns:a16="http://schemas.microsoft.com/office/drawing/2014/main" id="{3586DF59-F34F-03BB-B154-512474C826A5}"/>
-              </a:ext>
-            </a:extLst>
-          </p:cNvPr>
-          <p:cNvGraphicFramePr>
-            <a:graphicFrameLocks/>
-          </p:cNvGraphicFramePr>
+      <p:sp useBgFill="1">
+        <p:nvSpPr>
+          <p:cNvPr id="18" name="Rectangle 17">
+            <a:extLst>
+              <a:ext uri="{FF2B5EF4-FFF2-40B4-BE49-F238E27FC236}">
+                <a16:creationId xmlns:a16="http://schemas.microsoft.com/office/drawing/2014/main" id="{BA79A7CF-01AF-4178-9369-94E0C90EB046}"/>
+              </a:ext>
+              <a:ext uri="{C183D7F6-B498-43B3-948B-1728B52AA6E4}">
+                <adec:decorative xmlns:adec="http://schemas.microsoft.com/office/drawing/2017/decorative" val="1"/>
+              </a:ext>
+            </a:extLst>
+          </p:cNvPr>
+          <p:cNvSpPr>
+            <a:spLocks noGrp="1" noRot="1" noChangeAspect="1" noMove="1" noResize="1" noEditPoints="1" noAdjustHandles="1" noChangeArrowheads="1" noChangeShapeType="1" noTextEdit="1"/>
+          </p:cNvSpPr>
           <p:nvPr>
             <p:extLst>
-              <p:ext uri="{D42A27DB-BD31-4B8C-83A1-F6EECF244321}">
-                <p14:modId xmlns:p14="http://schemas.microsoft.com/office/powerpoint/2010/main" val="3919311281"/>
+              <p:ext uri="{386F3935-93C4-4BCD-93E2-E3B085C9AB24}">
+                <p16:designElem xmlns:p16="http://schemas.microsoft.com/office/powerpoint/2015/main" val="1"/>
               </p:ext>
             </p:extLst>
           </p:nvPr>
-        </p:nvGraphicFramePr>
-        <p:xfrm>
-          <a:off x="3982995" y="3954163"/>
-          <a:ext cx="4226010" cy="2391032"/>
-        </p:xfrm>
-        <a:graphic>
-          <a:graphicData uri="http://schemas.openxmlformats.org/drawingml/2006/chart">
-            <c:chart xmlns:c="http://schemas.openxmlformats.org/drawingml/2006/chart" xmlns:r="http://schemas.openxmlformats.org/officeDocument/2006/relationships" r:id="rId2"/>
-          </a:graphicData>
-        </a:graphic>
-      </p:graphicFrame>
+        </p:nvSpPr>
+        <p:spPr>
+          <a:xfrm>
+            <a:off x="0" y="0"/>
+            <a:ext cx="12191999" cy="6857365"/>
+          </a:xfrm>
+          <a:prstGeom prst="rect">
+            <a:avLst/>
+          </a:prstGeom>
+          <a:ln>
+            <a:noFill/>
+          </a:ln>
+        </p:spPr>
+        <p:style>
+          <a:lnRef idx="2">
+            <a:schemeClr val="accent1">
+              <a:shade val="50000"/>
+            </a:schemeClr>
+          </a:lnRef>
+          <a:fillRef idx="1">
+            <a:schemeClr val="accent1"/>
+          </a:fillRef>
+          <a:effectRef idx="0">
+            <a:schemeClr val="accent1"/>
+          </a:effectRef>
+          <a:fontRef idx="minor">
+            <a:schemeClr val="lt1"/>
+          </a:fontRef>
+        </p:style>
+        <p:txBody>
+          <a:bodyPr rtlCol="0" anchor="ctr"/>
+          <a:lstStyle/>
+          <a:p>
+            <a:pPr algn="ctr"/>
+            <a:endParaRPr lang="en-US"/>
+          </a:p>
+        </p:txBody>
+      </p:sp>
+      <p:sp>
+        <p:nvSpPr>
+          <p:cNvPr id="2" name="Title 1">
+            <a:extLst>
+              <a:ext uri="{FF2B5EF4-FFF2-40B4-BE49-F238E27FC236}">
+                <a16:creationId xmlns:a16="http://schemas.microsoft.com/office/drawing/2014/main" id="{57888B2B-4930-0627-60D9-BE63913770C2}"/>
+              </a:ext>
+            </a:extLst>
+          </p:cNvPr>
+          <p:cNvSpPr>
+            <a:spLocks noGrp="1"/>
+          </p:cNvSpPr>
+          <p:nvPr>
+            <p:ph type="ctrTitle"/>
+          </p:nvPr>
+        </p:nvSpPr>
+        <p:spPr>
+          <a:xfrm>
+            <a:off x="9267909" y="2023110"/>
+            <a:ext cx="2469624" cy="2846070"/>
+          </a:xfrm>
+        </p:spPr>
+        <p:txBody>
+          <a:bodyPr anchor="ctr">
+            <a:normAutofit/>
+          </a:bodyPr>
+          <a:lstStyle/>
+          <a:p>
+            <a:pPr algn="l"/>
+            <a:r>
+              <a:rPr lang="en-DK" sz="3400" dirty="0"/>
+              <a:t>Last weeks presentation of data</a:t>
+            </a:r>
+          </a:p>
+        </p:txBody>
+      </p:sp>
+      <p:sp>
+        <p:nvSpPr>
+          <p:cNvPr id="3" name="Subtitle 2">
+            <a:extLst>
+              <a:ext uri="{FF2B5EF4-FFF2-40B4-BE49-F238E27FC236}">
+                <a16:creationId xmlns:a16="http://schemas.microsoft.com/office/drawing/2014/main" id="{E5EE1EC6-08FB-0C72-D51E-32384E3D65F2}"/>
+              </a:ext>
+            </a:extLst>
+          </p:cNvPr>
+          <p:cNvSpPr>
+            <a:spLocks noGrp="1"/>
+          </p:cNvSpPr>
+          <p:nvPr>
+            <p:ph type="subTitle" idx="1"/>
+          </p:nvPr>
+        </p:nvSpPr>
+        <p:spPr>
+          <a:xfrm>
+            <a:off x="9267908" y="5086350"/>
+            <a:ext cx="2446465" cy="1178298"/>
+          </a:xfrm>
+        </p:spPr>
+        <p:txBody>
+          <a:bodyPr>
+            <a:normAutofit/>
+          </a:bodyPr>
+          <a:lstStyle/>
+          <a:p>
+            <a:pPr algn="l"/>
+            <a:endParaRPr lang="en-DK" sz="1600"/>
+          </a:p>
+        </p:txBody>
+      </p:sp>
+      <p:sp>
+        <p:nvSpPr>
+          <p:cNvPr id="19" name="Rectangle 18">
+            <a:extLst>
+              <a:ext uri="{FF2B5EF4-FFF2-40B4-BE49-F238E27FC236}">
+                <a16:creationId xmlns:a16="http://schemas.microsoft.com/office/drawing/2014/main" id="{99413ED5-9ED4-4772-BCE4-2BCAE6B12E35}"/>
+              </a:ext>
+              <a:ext uri="{C183D7F6-B498-43B3-948B-1728B52AA6E4}">
+                <adec:decorative xmlns:adec="http://schemas.microsoft.com/office/drawing/2017/decorative" val="1"/>
+              </a:ext>
+            </a:extLst>
+          </p:cNvPr>
+          <p:cNvSpPr>
+            <a:spLocks noGrp="1" noRot="1" noChangeAspect="1" noMove="1" noResize="1" noEditPoints="1" noAdjustHandles="1" noChangeArrowheads="1" noChangeShapeType="1" noTextEdit="1"/>
+          </p:cNvSpPr>
+          <p:nvPr>
+            <p:extLst>
+              <p:ext uri="{386F3935-93C4-4BCD-93E2-E3B085C9AB24}">
+                <p16:designElem xmlns:p16="http://schemas.microsoft.com/office/powerpoint/2015/main" val="1"/>
+              </p:ext>
+            </p:extLst>
+          </p:nvPr>
+        </p:nvSpPr>
+        <p:spPr>
+          <a:xfrm rot="16200000">
+            <a:off x="3433973" y="-827233"/>
+            <a:ext cx="1715478" cy="8583421"/>
+          </a:xfrm>
+          <a:prstGeom prst="rect">
+            <a:avLst/>
+          </a:prstGeom>
+          <a:solidFill>
+            <a:schemeClr val="accent4"/>
+          </a:solidFill>
+          <a:ln>
+            <a:noFill/>
+          </a:ln>
+        </p:spPr>
+        <p:style>
+          <a:lnRef idx="2">
+            <a:schemeClr val="accent1">
+              <a:shade val="50000"/>
+            </a:schemeClr>
+          </a:lnRef>
+          <a:fillRef idx="1">
+            <a:schemeClr val="accent1"/>
+          </a:fillRef>
+          <a:effectRef idx="0">
+            <a:schemeClr val="accent1"/>
+          </a:effectRef>
+          <a:fontRef idx="minor">
+            <a:schemeClr val="lt1"/>
+          </a:fontRef>
+        </p:style>
+        <p:txBody>
+          <a:bodyPr rtlCol="0" anchor="ctr"/>
+          <a:lstStyle/>
+          <a:p>
+            <a:pPr algn="ctr"/>
+            <a:endParaRPr lang="en-US" dirty="0"/>
+          </a:p>
+        </p:txBody>
+      </p:sp>
+      <p:sp>
+        <p:nvSpPr>
+          <p:cNvPr id="20" name="Rectangle 19">
+            <a:extLst>
+              <a:ext uri="{FF2B5EF4-FFF2-40B4-BE49-F238E27FC236}">
+                <a16:creationId xmlns:a16="http://schemas.microsoft.com/office/drawing/2014/main" id="{04357C93-F0CB-4A1C-8F77-4E9063789819}"/>
+              </a:ext>
+              <a:ext uri="{C183D7F6-B498-43B3-948B-1728B52AA6E4}">
+                <adec:decorative xmlns:adec="http://schemas.microsoft.com/office/drawing/2017/decorative" val="1"/>
+              </a:ext>
+            </a:extLst>
+          </p:cNvPr>
+          <p:cNvSpPr>
+            <a:spLocks noGrp="1" noRot="1" noChangeAspect="1" noMove="1" noResize="1" noEditPoints="1" noAdjustHandles="1" noChangeArrowheads="1" noChangeShapeType="1" noTextEdit="1"/>
+          </p:cNvSpPr>
+          <p:nvPr>
+            <p:extLst>
+              <p:ext uri="{386F3935-93C4-4BCD-93E2-E3B085C9AB24}">
+                <p16:designElem xmlns:p16="http://schemas.microsoft.com/office/powerpoint/2015/main" val="1"/>
+              </p:ext>
+            </p:extLst>
+          </p:nvPr>
+        </p:nvSpPr>
+        <p:spPr>
+          <a:xfrm>
+            <a:off x="302085" y="664308"/>
+            <a:ext cx="8082632" cy="5600340"/>
+          </a:xfrm>
+          <a:prstGeom prst="rect">
+            <a:avLst/>
+          </a:prstGeom>
+          <a:solidFill>
+            <a:schemeClr val="bg1"/>
+          </a:solidFill>
+          <a:ln>
+            <a:noFill/>
+          </a:ln>
+          <a:effectLst>
+            <a:outerShdw blurRad="139700" dist="127000" dir="5400000" algn="t" rotWithShape="0">
+              <a:prstClr val="black">
+                <a:alpha val="15000"/>
+              </a:prstClr>
+            </a:outerShdw>
+          </a:effectLst>
+        </p:spPr>
+        <p:style>
+          <a:lnRef idx="2">
+            <a:schemeClr val="accent1">
+              <a:shade val="50000"/>
+            </a:schemeClr>
+          </a:lnRef>
+          <a:fillRef idx="1">
+            <a:schemeClr val="accent1"/>
+          </a:fillRef>
+          <a:effectRef idx="0">
+            <a:schemeClr val="accent1"/>
+          </a:effectRef>
+          <a:fontRef idx="minor">
+            <a:schemeClr val="lt1"/>
+          </a:fontRef>
+        </p:style>
+        <p:txBody>
+          <a:bodyPr rtlCol="0" anchor="ctr"/>
+          <a:lstStyle/>
+          <a:p>
+            <a:pPr algn="ctr"/>
+            <a:endParaRPr lang="en-US"/>
+          </a:p>
+        </p:txBody>
+      </p:sp>
+      <p:pic>
+        <p:nvPicPr>
+          <p:cNvPr id="5" name="Picture 4" descr="A graph of a graph with numbers and lines&#10;&#10;AI-generated content may be incorrect.">
+            <a:extLst>
+              <a:ext uri="{FF2B5EF4-FFF2-40B4-BE49-F238E27FC236}">
+                <a16:creationId xmlns:a16="http://schemas.microsoft.com/office/drawing/2014/main" id="{A6CB81B7-562E-7B7F-E2AC-4EB764712F1A}"/>
+              </a:ext>
+            </a:extLst>
+          </p:cNvPr>
+          <p:cNvPicPr>
+            <a:picLocks noChangeAspect="1"/>
+          </p:cNvPicPr>
+          <p:nvPr/>
+        </p:nvPicPr>
+        <p:blipFill>
+          <a:blip r:embed="rId2"/>
+          <a:stretch>
+            <a:fillRect/>
+          </a:stretch>
+        </p:blipFill>
+        <p:spPr>
+          <a:xfrm>
+            <a:off x="586279" y="858525"/>
+            <a:ext cx="7526221" cy="5211906"/>
+          </a:xfrm>
+          <a:prstGeom prst="rect">
+            <a:avLst/>
+          </a:prstGeom>
+        </p:spPr>
+      </p:pic>
+      <p:sp>
+        <p:nvSpPr>
+          <p:cNvPr id="21" name="Rectangle 20">
+            <a:extLst>
+              <a:ext uri="{FF2B5EF4-FFF2-40B4-BE49-F238E27FC236}">
+                <a16:creationId xmlns:a16="http://schemas.microsoft.com/office/drawing/2014/main" id="{90F533E9-6690-41A8-A372-4C6C622D028D}"/>
+              </a:ext>
+              <a:ext uri="{C183D7F6-B498-43B3-948B-1728B52AA6E4}">
+                <adec:decorative xmlns:adec="http://schemas.microsoft.com/office/drawing/2017/decorative" val="1"/>
+              </a:ext>
+            </a:extLst>
+          </p:cNvPr>
+          <p:cNvSpPr>
+            <a:spLocks noGrp="1" noRot="1" noChangeAspect="1" noMove="1" noResize="1" noEditPoints="1" noAdjustHandles="1" noChangeArrowheads="1" noChangeShapeType="1" noTextEdit="1"/>
+          </p:cNvSpPr>
+          <p:nvPr>
+            <p:extLst>
+              <p:ext uri="{386F3935-93C4-4BCD-93E2-E3B085C9AB24}">
+                <p16:designElem xmlns:p16="http://schemas.microsoft.com/office/powerpoint/2015/main" val="1"/>
+              </p:ext>
+            </p:extLst>
+          </p:nvPr>
+        </p:nvSpPr>
+        <p:spPr>
+          <a:xfrm rot="5400000">
+            <a:off x="7950447" y="3392097"/>
+            <a:ext cx="1719072" cy="152382"/>
+          </a:xfrm>
+          <a:prstGeom prst="rect">
+            <a:avLst/>
+          </a:prstGeom>
+          <a:solidFill>
+            <a:schemeClr val="accent4"/>
+          </a:solidFill>
+          <a:ln>
+            <a:noFill/>
+          </a:ln>
+        </p:spPr>
+        <p:style>
+          <a:lnRef idx="2">
+            <a:schemeClr val="accent1">
+              <a:shade val="50000"/>
+            </a:schemeClr>
+          </a:lnRef>
+          <a:fillRef idx="1">
+            <a:schemeClr val="accent1"/>
+          </a:fillRef>
+          <a:effectRef idx="0">
+            <a:schemeClr val="accent1"/>
+          </a:effectRef>
+          <a:fontRef idx="minor">
+            <a:schemeClr val="lt1"/>
+          </a:fontRef>
+        </p:style>
+        <p:txBody>
+          <a:bodyPr rtlCol="0" anchor="ctr"/>
+          <a:lstStyle/>
+          <a:p>
+            <a:pPr algn="ctr"/>
+            <a:endParaRPr lang="en-US"/>
+          </a:p>
+        </p:txBody>
+      </p:sp>
     </p:spTree>
     <p:extLst>
       <p:ext uri="{BB962C8B-B14F-4D97-AF65-F5344CB8AC3E}">
@@ -6638,40 +3767,90 @@
           <a:p>
             <a:r>
               <a:rPr lang="en-DK" dirty="0"/>
-              <a:t>Data:</a:t>
-            </a:r>
-          </a:p>
-        </p:txBody>
-      </p:sp>
-      <p:sp>
-        <p:nvSpPr>
-          <p:cNvPr id="3" name="Content Placeholder 2">
-            <a:extLst>
-              <a:ext uri="{FF2B5EF4-FFF2-40B4-BE49-F238E27FC236}">
-                <a16:creationId xmlns:a16="http://schemas.microsoft.com/office/drawing/2014/main" id="{29FAF461-B617-FA9C-C9B7-255FBF99587A}"/>
-              </a:ext>
-            </a:extLst>
-          </p:cNvPr>
-          <p:cNvSpPr>
-            <a:spLocks noGrp="1"/>
-          </p:cNvSpPr>
+              <a:t>Modifying it</a:t>
+            </a:r>
+          </a:p>
+        </p:txBody>
+      </p:sp>
+      <p:pic>
+        <p:nvPicPr>
+          <p:cNvPr id="4" name="Content Placeholder 3">
+            <a:extLst>
+              <a:ext uri="{FF2B5EF4-FFF2-40B4-BE49-F238E27FC236}">
+                <a16:creationId xmlns:a16="http://schemas.microsoft.com/office/drawing/2014/main" id="{B2993EF1-70FD-8A7C-66E2-326D0E721429}"/>
+              </a:ext>
+            </a:extLst>
+          </p:cNvPr>
+          <p:cNvPicPr>
+            <a:picLocks noGrp="1" noChangeAspect="1"/>
+          </p:cNvPicPr>
           <p:nvPr>
             <p:ph idx="1"/>
           </p:nvPr>
-        </p:nvSpPr>
-        <p:spPr/>
-        <p:txBody>
-          <a:bodyPr/>
-          <a:lstStyle/>
+        </p:nvPicPr>
+        <p:blipFill>
+          <a:blip r:embed="rId2"/>
+          <a:stretch>
+            <a:fillRect/>
+          </a:stretch>
+        </p:blipFill>
+        <p:spPr>
+          <a:xfrm>
+            <a:off x="4072933" y="577593"/>
+            <a:ext cx="6220924" cy="4351338"/>
+          </a:xfrm>
+          <a:prstGeom prst="rect">
+            <a:avLst/>
+          </a:prstGeom>
+        </p:spPr>
+      </p:pic>
+      <p:sp>
+        <p:nvSpPr>
+          <p:cNvPr id="5" name="TextBox 4">
+            <a:extLst>
+              <a:ext uri="{FF2B5EF4-FFF2-40B4-BE49-F238E27FC236}">
+                <a16:creationId xmlns:a16="http://schemas.microsoft.com/office/drawing/2014/main" id="{F25D0B5B-8EBF-E334-F301-F33F57CCF281}"/>
+              </a:ext>
+            </a:extLst>
+          </p:cNvPr>
+          <p:cNvSpPr txBox="1"/>
+          <p:nvPr/>
+        </p:nvSpPr>
+        <p:spPr>
+          <a:xfrm>
+            <a:off x="4213654" y="5609968"/>
+            <a:ext cx="5724388" cy="646331"/>
+          </a:xfrm>
+          <a:prstGeom prst="rect">
+            <a:avLst/>
+          </a:prstGeom>
+          <a:noFill/>
+        </p:spPr>
+        <p:txBody>
+          <a:bodyPr wrap="none" rtlCol="0">
+            <a:spAutoFit/>
+          </a:bodyPr>
+          <a:lstStyle/>
+          <a:p>
+            <a:r>
+              <a:rPr lang="en-DK" dirty="0"/>
+              <a:t>Modify the vertical shift from O2 concentration by doing:</a:t>
+            </a:r>
+          </a:p>
           <a:p>
             <a:r>
               <a:rPr lang="en-GB" dirty="0"/>
-              <a:t>W</a:t>
-            </a:r>
-            <a:r>
-              <a:rPr lang="en-DK" dirty="0"/>
-              <a:t>aiting for it to run…</a:t>
-            </a:r>
+              <a:t>y* = y – </a:t>
+            </a:r>
+            <a:r>
+              <a:rPr lang="en-GB" i="1" dirty="0"/>
+              <a:t>m</a:t>
+            </a:r>
+            <a:r>
+              <a:rPr lang="en-GB" dirty="0"/>
+              <a:t> * ln(y(O2))</a:t>
+            </a:r>
+            <a:endParaRPr lang="en-DK" dirty="0"/>
           </a:p>
         </p:txBody>
       </p:sp>
@@ -6689,6 +3868,516 @@
 </file>
 
 <file path=ppt/slides/slide3.xml><?xml version="1.0" encoding="utf-8"?>
+<p:sld xmlns:a="http://schemas.openxmlformats.org/drawingml/2006/main" xmlns:r="http://schemas.openxmlformats.org/officeDocument/2006/relationships" xmlns:p="http://schemas.openxmlformats.org/presentationml/2006/main">
+  <p:cSld>
+    <p:spTree>
+      <p:nvGrpSpPr>
+        <p:cNvPr id="1" name="">
+          <a:extLst>
+            <a:ext uri="{FF2B5EF4-FFF2-40B4-BE49-F238E27FC236}">
+              <a16:creationId xmlns:a16="http://schemas.microsoft.com/office/drawing/2014/main" id="{AD6464D5-8C70-C7BA-22B0-6C90E7888F9D}"/>
+            </a:ext>
+          </a:extLst>
+        </p:cNvPr>
+        <p:cNvGrpSpPr/>
+        <p:nvPr/>
+      </p:nvGrpSpPr>
+      <p:grpSpPr>
+        <a:xfrm>
+          <a:off x="0" y="0"/>
+          <a:ext cx="0" cy="0"/>
+          <a:chOff x="0" y="0"/>
+          <a:chExt cx="0" cy="0"/>
+        </a:xfrm>
+      </p:grpSpPr>
+      <p:sp>
+        <p:nvSpPr>
+          <p:cNvPr id="2" name="Title 1">
+            <a:extLst>
+              <a:ext uri="{FF2B5EF4-FFF2-40B4-BE49-F238E27FC236}">
+                <a16:creationId xmlns:a16="http://schemas.microsoft.com/office/drawing/2014/main" id="{E64D06CA-7002-5EDD-606D-1E8F74D55BE0}"/>
+              </a:ext>
+            </a:extLst>
+          </p:cNvPr>
+          <p:cNvSpPr>
+            <a:spLocks noGrp="1"/>
+          </p:cNvSpPr>
+          <p:nvPr>
+            <p:ph type="title"/>
+          </p:nvPr>
+        </p:nvSpPr>
+        <p:spPr/>
+        <p:txBody>
+          <a:bodyPr/>
+          <a:lstStyle/>
+          <a:p>
+            <a:r>
+              <a:rPr lang="en-DK" dirty="0"/>
+              <a:t>Modifying it</a:t>
+            </a:r>
+          </a:p>
+        </p:txBody>
+      </p:sp>
+      <p:pic>
+        <p:nvPicPr>
+          <p:cNvPr id="4" name="Content Placeholder 3">
+            <a:extLst>
+              <a:ext uri="{FF2B5EF4-FFF2-40B4-BE49-F238E27FC236}">
+                <a16:creationId xmlns:a16="http://schemas.microsoft.com/office/drawing/2014/main" id="{64CF8440-11F0-77A8-8386-DCCF1EDFD316}"/>
+              </a:ext>
+            </a:extLst>
+          </p:cNvPr>
+          <p:cNvPicPr>
+            <a:picLocks noGrp="1" noChangeAspect="1"/>
+          </p:cNvPicPr>
+          <p:nvPr>
+            <p:ph idx="1"/>
+          </p:nvPr>
+        </p:nvPicPr>
+        <p:blipFill>
+          <a:blip r:embed="rId2"/>
+          <a:srcRect/>
+          <a:stretch/>
+        </p:blipFill>
+        <p:spPr>
+          <a:xfrm>
+            <a:off x="4072933" y="577593"/>
+            <a:ext cx="6220924" cy="4351338"/>
+          </a:xfrm>
+          <a:prstGeom prst="rect">
+            <a:avLst/>
+          </a:prstGeom>
+        </p:spPr>
+      </p:pic>
+      <p:sp>
+        <p:nvSpPr>
+          <p:cNvPr id="5" name="TextBox 4">
+            <a:extLst>
+              <a:ext uri="{FF2B5EF4-FFF2-40B4-BE49-F238E27FC236}">
+                <a16:creationId xmlns:a16="http://schemas.microsoft.com/office/drawing/2014/main" id="{8B4ED95B-E076-377E-71EF-AB841AF24CC4}"/>
+              </a:ext>
+            </a:extLst>
+          </p:cNvPr>
+          <p:cNvSpPr txBox="1"/>
+          <p:nvPr/>
+        </p:nvSpPr>
+        <p:spPr>
+          <a:xfrm>
+            <a:off x="4569469" y="5063431"/>
+            <a:ext cx="6573274" cy="1200329"/>
+          </a:xfrm>
+          <a:prstGeom prst="rect">
+            <a:avLst/>
+          </a:prstGeom>
+          <a:noFill/>
+        </p:spPr>
+        <p:txBody>
+          <a:bodyPr wrap="none" rtlCol="0">
+            <a:spAutoFit/>
+          </a:bodyPr>
+          <a:lstStyle/>
+          <a:p>
+            <a:r>
+              <a:rPr lang="en-DK" dirty="0"/>
+              <a:t>Modify the vertical shift from O2 concentration by doing:</a:t>
+            </a:r>
+          </a:p>
+          <a:p>
+            <a:r>
+              <a:rPr lang="en-GB" dirty="0"/>
+              <a:t>y* = y – </a:t>
+            </a:r>
+            <a:r>
+              <a:rPr lang="en-GB" i="1" dirty="0"/>
+              <a:t>m</a:t>
+            </a:r>
+            <a:r>
+              <a:rPr lang="en-GB" dirty="0"/>
+              <a:t> * ln(y(O2))</a:t>
+            </a:r>
+          </a:p>
+          <a:p>
+            <a:endParaRPr lang="en-GB" dirty="0"/>
+          </a:p>
+          <a:p>
+            <a:r>
+              <a:rPr lang="en-GB" i="1" dirty="0"/>
+              <a:t>a</a:t>
+            </a:r>
+            <a:r>
+              <a:rPr lang="en-GB" dirty="0"/>
+              <a:t>-range = 20% to 80% (Shown over mass conversion, not carbon)</a:t>
+            </a:r>
+            <a:endParaRPr lang="en-DK" i="1" dirty="0"/>
+          </a:p>
+        </p:txBody>
+      </p:sp>
+    </p:spTree>
+    <p:extLst>
+      <p:ext uri="{BB962C8B-B14F-4D97-AF65-F5344CB8AC3E}">
+        <p14:creationId xmlns:p14="http://schemas.microsoft.com/office/powerpoint/2010/main" val="3621668993"/>
+      </p:ext>
+    </p:extLst>
+  </p:cSld>
+  <p:clrMapOvr>
+    <a:masterClrMapping/>
+  </p:clrMapOvr>
+</p:sld>
+</file>
+
+<file path=ppt/slides/slide4.xml><?xml version="1.0" encoding="utf-8"?>
+<p:sld xmlns:a="http://schemas.openxmlformats.org/drawingml/2006/main" xmlns:r="http://schemas.openxmlformats.org/officeDocument/2006/relationships" xmlns:p="http://schemas.openxmlformats.org/presentationml/2006/main">
+  <p:cSld>
+    <p:bg>
+      <p:bgPr>
+        <a:solidFill>
+          <a:schemeClr val="bg1"/>
+        </a:solidFill>
+        <a:effectLst/>
+      </p:bgPr>
+    </p:bg>
+    <p:spTree>
+      <p:nvGrpSpPr>
+        <p:cNvPr id="1" name=""/>
+        <p:cNvGrpSpPr/>
+        <p:nvPr/>
+      </p:nvGrpSpPr>
+      <p:grpSpPr>
+        <a:xfrm>
+          <a:off x="0" y="0"/>
+          <a:ext cx="0" cy="0"/>
+          <a:chOff x="0" y="0"/>
+          <a:chExt cx="0" cy="0"/>
+        </a:xfrm>
+      </p:grpSpPr>
+      <p:sp>
+        <p:nvSpPr>
+          <p:cNvPr id="2" name="Title 1">
+            <a:extLst>
+              <a:ext uri="{FF2B5EF4-FFF2-40B4-BE49-F238E27FC236}">
+                <a16:creationId xmlns:a16="http://schemas.microsoft.com/office/drawing/2014/main" id="{3C996AD4-8A3C-33B2-D22D-DEC6D1B8D080}"/>
+              </a:ext>
+            </a:extLst>
+          </p:cNvPr>
+          <p:cNvSpPr>
+            <a:spLocks noGrp="1"/>
+          </p:cNvSpPr>
+          <p:nvPr>
+            <p:ph type="title"/>
+          </p:nvPr>
+        </p:nvSpPr>
+        <p:spPr>
+          <a:xfrm>
+            <a:off x="876693" y="741391"/>
+            <a:ext cx="3455821" cy="1616203"/>
+          </a:xfrm>
+        </p:spPr>
+        <p:txBody>
+          <a:bodyPr anchor="b">
+            <a:normAutofit/>
+          </a:bodyPr>
+          <a:lstStyle/>
+          <a:p>
+            <a:r>
+              <a:rPr lang="en-DK" sz="3200"/>
+              <a:t>Simulating TG curve with data</a:t>
+            </a:r>
+          </a:p>
+        </p:txBody>
+      </p:sp>
+      <p:sp>
+        <p:nvSpPr>
+          <p:cNvPr id="3" name="Content Placeholder 2">
+            <a:extLst>
+              <a:ext uri="{FF2B5EF4-FFF2-40B4-BE49-F238E27FC236}">
+                <a16:creationId xmlns:a16="http://schemas.microsoft.com/office/drawing/2014/main" id="{F79E6308-0A5B-39A9-723D-2E60B05C26C9}"/>
+              </a:ext>
+            </a:extLst>
+          </p:cNvPr>
+          <p:cNvSpPr>
+            <a:spLocks noGrp="1"/>
+          </p:cNvSpPr>
+          <p:nvPr>
+            <p:ph idx="1"/>
+          </p:nvPr>
+        </p:nvSpPr>
+        <p:spPr>
+          <a:xfrm>
+            <a:off x="876693" y="2533476"/>
+            <a:ext cx="3455821" cy="3447832"/>
+          </a:xfrm>
+        </p:spPr>
+        <p:txBody>
+          <a:bodyPr anchor="t">
+            <a:normAutofit/>
+          </a:bodyPr>
+          <a:lstStyle/>
+          <a:p>
+            <a:pPr lvl="1"/>
+            <a:r>
+              <a:rPr lang="en-GB" sz="2000" dirty="0"/>
+              <a:t>Know rate, “simulate” alpha over same T and t window</a:t>
+            </a:r>
+          </a:p>
+          <a:p>
+            <a:pPr lvl="2"/>
+            <a:r>
+              <a:rPr lang="en-GB" sz="1600" dirty="0"/>
+              <a:t>Da/dt = k(</a:t>
+            </a:r>
+            <a:r>
+              <a:rPr lang="en-GB" sz="1600" dirty="0" err="1"/>
+              <a:t>T,y</a:t>
+            </a:r>
+            <a:r>
+              <a:rPr lang="en-GB" sz="1600" dirty="0"/>
+              <a:t>(O2)) * (1-a)</a:t>
+            </a:r>
+          </a:p>
+          <a:p>
+            <a:pPr lvl="2"/>
+            <a:r>
+              <a:rPr lang="en-GB" sz="1600" dirty="0"/>
+              <a:t>k = A * y(O2)^m * exp(-</a:t>
+            </a:r>
+            <a:r>
+              <a:rPr lang="en-GB" sz="1600" dirty="0" err="1"/>
+              <a:t>Ea</a:t>
+            </a:r>
+            <a:r>
+              <a:rPr lang="en-GB" sz="1600" dirty="0"/>
+              <a:t>/(R*T))</a:t>
+            </a:r>
+          </a:p>
+          <a:p>
+            <a:pPr marL="457200" lvl="1" indent="0">
+              <a:buNone/>
+            </a:pPr>
+            <a:endParaRPr lang="en-DK" sz="2000" dirty="0"/>
+          </a:p>
+        </p:txBody>
+      </p:sp>
+      <p:pic>
+        <p:nvPicPr>
+          <p:cNvPr id="4" name="Picture 3">
+            <a:extLst>
+              <a:ext uri="{FF2B5EF4-FFF2-40B4-BE49-F238E27FC236}">
+                <a16:creationId xmlns:a16="http://schemas.microsoft.com/office/drawing/2014/main" id="{359A4361-0C83-BA57-A997-59890091BA38}"/>
+              </a:ext>
+            </a:extLst>
+          </p:cNvPr>
+          <p:cNvPicPr>
+            <a:picLocks noChangeAspect="1"/>
+          </p:cNvPicPr>
+          <p:nvPr/>
+        </p:nvPicPr>
+        <p:blipFill>
+          <a:blip r:embed="rId2"/>
+          <a:stretch>
+            <a:fillRect/>
+          </a:stretch>
+        </p:blipFill>
+        <p:spPr>
+          <a:xfrm>
+            <a:off x="4987672" y="1101545"/>
+            <a:ext cx="6389346" cy="4664220"/>
+          </a:xfrm>
+          <a:prstGeom prst="rect">
+            <a:avLst/>
+          </a:prstGeom>
+        </p:spPr>
+      </p:pic>
+      <p:grpSp>
+        <p:nvGrpSpPr>
+          <p:cNvPr id="9" name="Group 8">
+            <a:extLst>
+              <a:ext uri="{FF2B5EF4-FFF2-40B4-BE49-F238E27FC236}">
+                <a16:creationId xmlns:a16="http://schemas.microsoft.com/office/drawing/2014/main" id="{6258F736-B256-8039-9DC6-F4E49A5C5AD5}"/>
+              </a:ext>
+              <a:ext uri="{C183D7F6-B498-43B3-948B-1728B52AA6E4}">
+                <adec:decorative xmlns:adec="http://schemas.microsoft.com/office/drawing/2017/decorative" val="1"/>
+              </a:ext>
+            </a:extLst>
+          </p:cNvPr>
+          <p:cNvGrpSpPr>
+            <a:grpSpLocks noGrp="1" noUngrp="1" noRot="1" noChangeAspect="1" noMove="1" noResize="1"/>
+          </p:cNvGrpSpPr>
+          <p:nvPr>
+            <p:extLst>
+              <p:ext uri="{386F3935-93C4-4BCD-93E2-E3B085C9AB24}">
+                <p16:designElem xmlns:p16="http://schemas.microsoft.com/office/powerpoint/2015/main" val="1"/>
+              </p:ext>
+            </p:extLst>
+          </p:nvPr>
+        </p:nvGrpSpPr>
+        <p:grpSpPr>
+          <a:xfrm flipH="1">
+            <a:off x="12068638" y="0"/>
+            <a:ext cx="123362" cy="6858000"/>
+            <a:chOff x="12068638" y="0"/>
+            <a:chExt cx="123362" cy="6858000"/>
+          </a:xfrm>
+        </p:grpSpPr>
+        <p:sp>
+          <p:nvSpPr>
+            <p:cNvPr id="10" name="Rectangle 9">
+              <a:extLst>
+                <a:ext uri="{FF2B5EF4-FFF2-40B4-BE49-F238E27FC236}">
+                  <a16:creationId xmlns:a16="http://schemas.microsoft.com/office/drawing/2014/main" id="{10B4520A-996E-330C-99DA-69CA4D89E906}"/>
+                </a:ext>
+                <a:ext uri="{C183D7F6-B498-43B3-948B-1728B52AA6E4}">
+                  <adec:decorative xmlns:adec="http://schemas.microsoft.com/office/drawing/2017/decorative" val="1"/>
+                </a:ext>
+              </a:extLst>
+            </p:cNvPr>
+            <p:cNvSpPr/>
+            <p:nvPr>
+              <p:extLst>
+                <p:ext uri="{386F3935-93C4-4BCD-93E2-E3B085C9AB24}">
+                  <p16:designElem xmlns:p16="http://schemas.microsoft.com/office/powerpoint/2015/main" val="1"/>
+                </p:ext>
+              </p:extLst>
+            </p:nvPr>
+          </p:nvSpPr>
+          <p:spPr>
+            <a:xfrm>
+              <a:off x="12068638" y="0"/>
+              <a:ext cx="123362" cy="6858000"/>
+            </a:xfrm>
+            <a:prstGeom prst="rect">
+              <a:avLst/>
+            </a:prstGeom>
+            <a:gradFill>
+              <a:gsLst>
+                <a:gs pos="0">
+                  <a:schemeClr val="accent2"/>
+                </a:gs>
+                <a:gs pos="100000">
+                  <a:schemeClr val="accent5"/>
+                </a:gs>
+              </a:gsLst>
+              <a:lin ang="1800000" scaled="0"/>
+            </a:gradFill>
+            <a:ln>
+              <a:noFill/>
+            </a:ln>
+          </p:spPr>
+          <p:style>
+            <a:lnRef idx="2">
+              <a:schemeClr val="accent1">
+                <a:shade val="50000"/>
+              </a:schemeClr>
+            </a:lnRef>
+            <a:fillRef idx="1">
+              <a:schemeClr val="accent1"/>
+            </a:fillRef>
+            <a:effectRef idx="0">
+              <a:schemeClr val="accent1"/>
+            </a:effectRef>
+            <a:fontRef idx="minor">
+              <a:schemeClr val="lt1"/>
+            </a:fontRef>
+          </p:style>
+          <p:txBody>
+            <a:bodyPr rtlCol="0" anchor="ctr"/>
+            <a:lstStyle/>
+            <a:p>
+              <a:pPr algn="ctr"/>
+              <a:endParaRPr lang="en-US"/>
+            </a:p>
+          </p:txBody>
+        </p:sp>
+        <p:sp>
+          <p:nvSpPr>
+            <p:cNvPr id="11" name="Rectangle 10">
+              <a:extLst>
+                <a:ext uri="{FF2B5EF4-FFF2-40B4-BE49-F238E27FC236}">
+                  <a16:creationId xmlns:a16="http://schemas.microsoft.com/office/drawing/2014/main" id="{EC8FA945-E356-695F-18D6-CAD4EF34FE4A}"/>
+                </a:ext>
+                <a:ext uri="{C183D7F6-B498-43B3-948B-1728B52AA6E4}">
+                  <adec:decorative xmlns:adec="http://schemas.microsoft.com/office/drawing/2017/decorative" val="1"/>
+                </a:ext>
+              </a:extLst>
+            </p:cNvPr>
+            <p:cNvSpPr/>
+            <p:nvPr>
+              <p:extLst>
+                <p:ext uri="{386F3935-93C4-4BCD-93E2-E3B085C9AB24}">
+                  <p16:designElem xmlns:p16="http://schemas.microsoft.com/office/powerpoint/2015/main" val="1"/>
+                </p:ext>
+              </p:extLst>
+            </p:nvPr>
+          </p:nvSpPr>
+          <p:spPr>
+            <a:xfrm>
+              <a:off x="12068638" y="3527553"/>
+              <a:ext cx="123362" cy="3330447"/>
+            </a:xfrm>
+            <a:prstGeom prst="rect">
+              <a:avLst/>
+            </a:prstGeom>
+            <a:gradFill>
+              <a:gsLst>
+                <a:gs pos="19000">
+                  <a:schemeClr val="accent5">
+                    <a:lumMod val="60000"/>
+                    <a:lumOff val="40000"/>
+                    <a:alpha val="0"/>
+                  </a:schemeClr>
+                </a:gs>
+                <a:gs pos="100000">
+                  <a:schemeClr val="accent5">
+                    <a:lumMod val="60000"/>
+                    <a:lumOff val="40000"/>
+                  </a:schemeClr>
+                </a:gs>
+              </a:gsLst>
+              <a:lin ang="600000" scaled="0"/>
+            </a:gradFill>
+            <a:ln>
+              <a:noFill/>
+            </a:ln>
+          </p:spPr>
+          <p:style>
+            <a:lnRef idx="2">
+              <a:schemeClr val="accent1">
+                <a:shade val="50000"/>
+              </a:schemeClr>
+            </a:lnRef>
+            <a:fillRef idx="1">
+              <a:schemeClr val="accent1"/>
+            </a:fillRef>
+            <a:effectRef idx="0">
+              <a:schemeClr val="accent1"/>
+            </a:effectRef>
+            <a:fontRef idx="minor">
+              <a:schemeClr val="lt1"/>
+            </a:fontRef>
+          </p:style>
+          <p:txBody>
+            <a:bodyPr rtlCol="0" anchor="ctr"/>
+            <a:lstStyle/>
+            <a:p>
+              <a:pPr algn="ctr"/>
+              <a:endParaRPr lang="en-US"/>
+            </a:p>
+          </p:txBody>
+        </p:sp>
+      </p:grpSp>
+    </p:spTree>
+    <p:extLst>
+      <p:ext uri="{BB962C8B-B14F-4D97-AF65-F5344CB8AC3E}">
+        <p14:creationId xmlns:p14="http://schemas.microsoft.com/office/powerpoint/2010/main" val="1374256943"/>
+      </p:ext>
+    </p:extLst>
+  </p:cSld>
+  <p:clrMapOvr>
+    <a:masterClrMapping/>
+  </p:clrMapOvr>
+</p:sld>
+</file>
+
+<file path=ppt/slides/slide5.xml><?xml version="1.0" encoding="utf-8"?>
 <p:sld xmlns:a="http://schemas.openxmlformats.org/drawingml/2006/main" xmlns:r="http://schemas.openxmlformats.org/officeDocument/2006/relationships" xmlns:p="http://schemas.openxmlformats.org/presentationml/2006/main">
   <p:cSld>
     <p:spTree>

--- a/TG_Data/Sif Data/TG TEST 7 . OXIDATION 600C 5% O2/Presentation1.pptx
+++ b/TG_Data/Sif Data/TG TEST 7 . OXIDATION 600C 5% O2/Presentation1.pptx
@@ -3484,7 +3484,7 @@
           <a:lstStyle/>
           <a:p>
             <a:pPr algn="l"/>
-            <a:endParaRPr lang="en-DK" sz="1600"/>
+            <a:endParaRPr lang="en-DK" sz="1600" dirty="0"/>
           </a:p>
         </p:txBody>
       </p:sp>
@@ -4154,6 +4154,15 @@
               <a:buNone/>
             </a:pPr>
             <a:endParaRPr lang="en-DK" sz="2000" dirty="0"/>
+          </a:p>
+          <a:p>
+            <a:pPr marL="457200" lvl="1" indent="0">
+              <a:buNone/>
+            </a:pPr>
+            <a:r>
+              <a:rPr lang="en-DK" sz="2000" dirty="0"/>
+              <a:t>Simulated graph to the right is for PW, 10% O2</a:t>
+            </a:r>
           </a:p>
         </p:txBody>
       </p:sp>
@@ -4417,7 +4426,7 @@
           <a:p>
             <a:r>
               <a:rPr lang="en-DK" dirty="0"/>
-              <a:t>Remaining:</a:t>
+              <a:t>Planned &amp; Completed Experiments last week</a:t>
             </a:r>
           </a:p>
         </p:txBody>
@@ -4445,21 +4454,18 @@
           <a:p>
             <a:r>
               <a:rPr lang="en-DK" dirty="0"/>
-              <a:t>BET Analysis of what didn’t work today &amp; tomorrow</a:t>
+              <a:t>225C Isothermals at 5% and 10% O2 (✅)</a:t>
             </a:r>
           </a:p>
           <a:p>
             <a:r>
               <a:rPr lang="en-DK" dirty="0"/>
-              <a:t>Have to coordinate with the people using Sif this week to run 225C + 250C isothermals with 5% and 10% O2. </a:t>
+              <a:t>250C Isothermals at 5% and 10% O2 (</a:t>
             </a:r>
             <a:r>
               <a:rPr lang="en-DK"/>
-              <a:t>Figured out how to do multi-method ASC runs so can finish faster with weekends.</a:t>
-            </a:r>
-            <a:endParaRPr lang="en-DK" dirty="0"/>
-          </a:p>
-          <a:p>
+              <a:t>❌)</a:t>
+            </a:r>
             <a:endParaRPr lang="en-DK" dirty="0"/>
           </a:p>
         </p:txBody>
